--- a/lab_5/lab_5.pptx
+++ b/lab_5/lab_5.pptx
@@ -20,7 +20,13 @@
     <p:sldId id="257" r:id="rId14"/>
     <p:sldId id="259" r:id="rId15"/>
     <p:sldId id="261" r:id="rId16"/>
-    <p:sldId id="268" r:id="rId17"/>
+    <p:sldId id="274" r:id="rId17"/>
+    <p:sldId id="275" r:id="rId18"/>
+    <p:sldId id="276" r:id="rId19"/>
+    <p:sldId id="277" r:id="rId20"/>
+    <p:sldId id="278" r:id="rId21"/>
+    <p:sldId id="279" r:id="rId22"/>
+    <p:sldId id="268" r:id="rId23"/>
   </p:sldIdLst>
   <p:sldSz cx="12192000" cy="6858000"/>
   <p:notesSz cx="6858000" cy="9144000"/>
@@ -119,7 +125,392 @@
       </a:defRPr>
     </a:lvl9pPr>
   </p:defaultTextStyle>
+  <p:extLst>
+    <p:ext uri="{EFAFB233-063F-42B5-8137-9DF3F51BA10A}">
+      <p15:sldGuideLst xmlns:p15="http://schemas.microsoft.com/office/powerpoint/2012/main"/>
+    </p:ext>
+  </p:extLst>
 </p:presentation>
+</file>
+
+<file path=ppt/revisionInfo.xml><?xml version="1.0" encoding="utf-8"?>
+<p1510:revInfo xmlns:a="http://schemas.openxmlformats.org/drawingml/2006/main" xmlns:r="http://schemas.openxmlformats.org/officeDocument/2006/relationships" xmlns:p1510="http://schemas.microsoft.com/office/powerpoint/2015/10/main">
+  <p1510:revLst>
+    <p1510:client id="{130FE924-C679-4611-81F6-483CAE3FC606}" v="2" dt="2024-11-23T20:20:17.193"/>
+  </p1510:revLst>
+</p1510:revInfo>
+</file>
+
+<file path=ppt/changesInfos/changesInfo1.xml><?xml version="1.0" encoding="utf-8"?>
+<pc:chgInfo xmlns:a="http://schemas.openxmlformats.org/drawingml/2006/main" xmlns:r="http://schemas.openxmlformats.org/officeDocument/2006/relationships" xmlns:ac="http://schemas.microsoft.com/office/drawing/2013/main/command" xmlns:pc="http://schemas.microsoft.com/office/powerpoint/2013/main/command">
+  <pc:docChgLst>
+    <pc:chgData name="Ahmed Mahmoud" userId="a520bb48-7c22-4e5d-98d7-2bd178c8dd0a" providerId="ADAL" clId="{130FE924-C679-4611-81F6-483CAE3FC606}"/>
+    <pc:docChg chg="undo custSel addSld modSld sldOrd">
+      <pc:chgData name="Ahmed Mahmoud" userId="a520bb48-7c22-4e5d-98d7-2bd178c8dd0a" providerId="ADAL" clId="{130FE924-C679-4611-81F6-483CAE3FC606}" dt="2024-11-23T20:26:27.521" v="146" actId="20577"/>
+      <pc:docMkLst>
+        <pc:docMk/>
+      </pc:docMkLst>
+      <pc:sldChg chg="addSp delSp modSp mod modMedia setBg delAnim">
+        <pc:chgData name="Ahmed Mahmoud" userId="a520bb48-7c22-4e5d-98d7-2bd178c8dd0a" providerId="ADAL" clId="{130FE924-C679-4611-81F6-483CAE3FC606}" dt="2024-11-23T20:15:23.630" v="15" actId="26606"/>
+        <pc:sldMkLst>
+          <pc:docMk/>
+          <pc:sldMk cId="4155427555" sldId="256"/>
+        </pc:sldMkLst>
+        <pc:spChg chg="mod">
+          <ac:chgData name="Ahmed Mahmoud" userId="a520bb48-7c22-4e5d-98d7-2bd178c8dd0a" providerId="ADAL" clId="{130FE924-C679-4611-81F6-483CAE3FC606}" dt="2024-11-23T20:15:23.630" v="15" actId="26606"/>
+          <ac:spMkLst>
+            <pc:docMk/>
+            <pc:sldMk cId="4155427555" sldId="256"/>
+            <ac:spMk id="2" creationId="{0800B60D-4D98-A8B6-4963-24A3FDC9D3DB}"/>
+          </ac:spMkLst>
+        </pc:spChg>
+        <pc:spChg chg="mod">
+          <ac:chgData name="Ahmed Mahmoud" userId="a520bb48-7c22-4e5d-98d7-2bd178c8dd0a" providerId="ADAL" clId="{130FE924-C679-4611-81F6-483CAE3FC606}" dt="2024-11-23T20:15:23.630" v="15" actId="26606"/>
+          <ac:spMkLst>
+            <pc:docMk/>
+            <pc:sldMk cId="4155427555" sldId="256"/>
+            <ac:spMk id="3" creationId="{7529FFB4-7E37-CD17-E6C2-A3E480D2C96E}"/>
+          </ac:spMkLst>
+        </pc:spChg>
+        <pc:spChg chg="add del">
+          <ac:chgData name="Ahmed Mahmoud" userId="a520bb48-7c22-4e5d-98d7-2bd178c8dd0a" providerId="ADAL" clId="{130FE924-C679-4611-81F6-483CAE3FC606}" dt="2024-11-23T20:15:23.630" v="15" actId="26606"/>
+          <ac:spMkLst>
+            <pc:docMk/>
+            <pc:sldMk cId="4155427555" sldId="256"/>
+            <ac:spMk id="6" creationId="{6F828D28-8E09-41CC-8229-3070B5467A96}"/>
+          </ac:spMkLst>
+        </pc:spChg>
+        <pc:spChg chg="add del">
+          <ac:chgData name="Ahmed Mahmoud" userId="a520bb48-7c22-4e5d-98d7-2bd178c8dd0a" providerId="ADAL" clId="{130FE924-C679-4611-81F6-483CAE3FC606}" dt="2024-11-23T20:15:23.630" v="15" actId="26606"/>
+          <ac:spMkLst>
+            <pc:docMk/>
+            <pc:sldMk cId="4155427555" sldId="256"/>
+            <ac:spMk id="8" creationId="{D5B012D8-7F27-4758-9AC6-C889B154BD73}"/>
+          </ac:spMkLst>
+        </pc:spChg>
+        <pc:spChg chg="add del">
+          <ac:chgData name="Ahmed Mahmoud" userId="a520bb48-7c22-4e5d-98d7-2bd178c8dd0a" providerId="ADAL" clId="{130FE924-C679-4611-81F6-483CAE3FC606}" dt="2024-11-23T20:15:07.182" v="13" actId="26606"/>
+          <ac:spMkLst>
+            <pc:docMk/>
+            <pc:sldMk cId="4155427555" sldId="256"/>
+            <ac:spMk id="9" creationId="{C1DD1A8A-57D5-4A81-AD04-532B043C5611}"/>
+          </ac:spMkLst>
+        </pc:spChg>
+        <pc:spChg chg="add del">
+          <ac:chgData name="Ahmed Mahmoud" userId="a520bb48-7c22-4e5d-98d7-2bd178c8dd0a" providerId="ADAL" clId="{130FE924-C679-4611-81F6-483CAE3FC606}" dt="2024-11-23T20:15:07.182" v="13" actId="26606"/>
+          <ac:spMkLst>
+            <pc:docMk/>
+            <pc:sldMk cId="4155427555" sldId="256"/>
+            <ac:spMk id="11" creationId="{007891EC-4501-44ED-A8C8-B11B6DB767AB}"/>
+          </ac:spMkLst>
+        </pc:spChg>
+        <pc:spChg chg="add del">
+          <ac:chgData name="Ahmed Mahmoud" userId="a520bb48-7c22-4e5d-98d7-2bd178c8dd0a" providerId="ADAL" clId="{130FE924-C679-4611-81F6-483CAE3FC606}" dt="2024-11-23T20:15:23.630" v="15" actId="26606"/>
+          <ac:spMkLst>
+            <pc:docMk/>
+            <pc:sldMk cId="4155427555" sldId="256"/>
+            <ac:spMk id="13" creationId="{4063B759-00FC-46D1-9898-8E8625268FAF}"/>
+          </ac:spMkLst>
+        </pc:spChg>
+        <pc:picChg chg="add del mod">
+          <ac:chgData name="Ahmed Mahmoud" userId="a520bb48-7c22-4e5d-98d7-2bd178c8dd0a" providerId="ADAL" clId="{130FE924-C679-4611-81F6-483CAE3FC606}" dt="2024-11-23T20:15:07.182" v="13" actId="26606"/>
+          <ac:picMkLst>
+            <pc:docMk/>
+            <pc:sldMk cId="4155427555" sldId="256"/>
+            <ac:picMk id="5" creationId="{AE226286-ED03-687B-5D5C-0110A94CD9F8}"/>
+          </ac:picMkLst>
+        </pc:picChg>
+        <pc:picChg chg="add del">
+          <ac:chgData name="Ahmed Mahmoud" userId="a520bb48-7c22-4e5d-98d7-2bd178c8dd0a" providerId="ADAL" clId="{130FE924-C679-4611-81F6-483CAE3FC606}" dt="2024-11-23T20:15:23.630" v="15" actId="26606"/>
+          <ac:picMkLst>
+            <pc:docMk/>
+            <pc:sldMk cId="4155427555" sldId="256"/>
+            <ac:picMk id="7" creationId="{BEB4B926-E065-D5D1-B50A-2044C55B70E1}"/>
+          </ac:picMkLst>
+        </pc:picChg>
+      </pc:sldChg>
+      <pc:sldChg chg="ord">
+        <pc:chgData name="Ahmed Mahmoud" userId="a520bb48-7c22-4e5d-98d7-2bd178c8dd0a" providerId="ADAL" clId="{130FE924-C679-4611-81F6-483CAE3FC606}" dt="2024-11-23T20:23:14.755" v="134"/>
+        <pc:sldMkLst>
+          <pc:docMk/>
+          <pc:sldMk cId="4285215335" sldId="268"/>
+        </pc:sldMkLst>
+      </pc:sldChg>
+      <pc:sldChg chg="addSp delSp modSp mod setBg">
+        <pc:chgData name="Ahmed Mahmoud" userId="a520bb48-7c22-4e5d-98d7-2bd178c8dd0a" providerId="ADAL" clId="{130FE924-C679-4611-81F6-483CAE3FC606}" dt="2024-11-23T20:15:06.801" v="12" actId="26606"/>
+        <pc:sldMkLst>
+          <pc:docMk/>
+          <pc:sldMk cId="395289356" sldId="269"/>
+        </pc:sldMkLst>
+        <pc:spChg chg="mod">
+          <ac:chgData name="Ahmed Mahmoud" userId="a520bb48-7c22-4e5d-98d7-2bd178c8dd0a" providerId="ADAL" clId="{130FE924-C679-4611-81F6-483CAE3FC606}" dt="2024-11-23T20:15:00.631" v="6" actId="26606"/>
+          <ac:spMkLst>
+            <pc:docMk/>
+            <pc:sldMk cId="395289356" sldId="269"/>
+            <ac:spMk id="2" creationId="{2261AC77-BB1E-A8E8-050F-393D0DDC1C30}"/>
+          </ac:spMkLst>
+        </pc:spChg>
+        <pc:spChg chg="add del">
+          <ac:chgData name="Ahmed Mahmoud" userId="a520bb48-7c22-4e5d-98d7-2bd178c8dd0a" providerId="ADAL" clId="{130FE924-C679-4611-81F6-483CAE3FC606}" dt="2024-11-23T20:15:06.801" v="12" actId="26606"/>
+          <ac:spMkLst>
+            <pc:docMk/>
+            <pc:sldMk cId="395289356" sldId="269"/>
+            <ac:spMk id="3" creationId="{E901A986-4695-49A1-14D2-951C34C96E00}"/>
+          </ac:spMkLst>
+        </pc:spChg>
+        <pc:spChg chg="add del">
+          <ac:chgData name="Ahmed Mahmoud" userId="a520bb48-7c22-4e5d-98d7-2bd178c8dd0a" providerId="ADAL" clId="{130FE924-C679-4611-81F6-483CAE3FC606}" dt="2024-11-23T20:14:57.474" v="4" actId="26606"/>
+          <ac:spMkLst>
+            <pc:docMk/>
+            <pc:sldMk cId="395289356" sldId="269"/>
+            <ac:spMk id="9" creationId="{CB49665F-0298-4449-8D2D-209989CB9EE3}"/>
+          </ac:spMkLst>
+        </pc:spChg>
+        <pc:spChg chg="add del">
+          <ac:chgData name="Ahmed Mahmoud" userId="a520bb48-7c22-4e5d-98d7-2bd178c8dd0a" providerId="ADAL" clId="{130FE924-C679-4611-81F6-483CAE3FC606}" dt="2024-11-23T20:14:57.474" v="4" actId="26606"/>
+          <ac:spMkLst>
+            <pc:docMk/>
+            <pc:sldMk cId="395289356" sldId="269"/>
+            <ac:spMk id="11" creationId="{A71EEC14-174A-46FA-B046-474750457130}"/>
+          </ac:spMkLst>
+        </pc:spChg>
+        <pc:spChg chg="add del">
+          <ac:chgData name="Ahmed Mahmoud" userId="a520bb48-7c22-4e5d-98d7-2bd178c8dd0a" providerId="ADAL" clId="{130FE924-C679-4611-81F6-483CAE3FC606}" dt="2024-11-23T20:15:00.631" v="6" actId="26606"/>
+          <ac:spMkLst>
+            <pc:docMk/>
+            <pc:sldMk cId="395289356" sldId="269"/>
+            <ac:spMk id="26" creationId="{5C8908E2-EE49-44D2-9428-A28D2312A8D5}"/>
+          </ac:spMkLst>
+        </pc:spChg>
+        <pc:spChg chg="add del">
+          <ac:chgData name="Ahmed Mahmoud" userId="a520bb48-7c22-4e5d-98d7-2bd178c8dd0a" providerId="ADAL" clId="{130FE924-C679-4611-81F6-483CAE3FC606}" dt="2024-11-23T20:15:00.631" v="6" actId="26606"/>
+          <ac:spMkLst>
+            <pc:docMk/>
+            <pc:sldMk cId="395289356" sldId="269"/>
+            <ac:spMk id="29" creationId="{7449A6C7-D15F-4AA5-BFA5-71A404B47016}"/>
+          </ac:spMkLst>
+        </pc:spChg>
+        <pc:spChg chg="add del">
+          <ac:chgData name="Ahmed Mahmoud" userId="a520bb48-7c22-4e5d-98d7-2bd178c8dd0a" providerId="ADAL" clId="{130FE924-C679-4611-81F6-483CAE3FC606}" dt="2024-11-23T20:15:00.631" v="6" actId="26606"/>
+          <ac:spMkLst>
+            <pc:docMk/>
+            <pc:sldMk cId="395289356" sldId="269"/>
+            <ac:spMk id="30" creationId="{ED888B23-07FA-482A-96DF-47E31AF1A603}"/>
+          </ac:spMkLst>
+        </pc:spChg>
+        <pc:grpChg chg="add del">
+          <ac:chgData name="Ahmed Mahmoud" userId="a520bb48-7c22-4e5d-98d7-2bd178c8dd0a" providerId="ADAL" clId="{130FE924-C679-4611-81F6-483CAE3FC606}" dt="2024-11-23T20:14:57.474" v="4" actId="26606"/>
+          <ac:grpSpMkLst>
+            <pc:docMk/>
+            <pc:sldMk cId="395289356" sldId="269"/>
+            <ac:grpSpMk id="13" creationId="{EEB6CB95-E653-4C6C-AE51-62FD848E8D5B}"/>
+          </ac:grpSpMkLst>
+        </pc:grpChg>
+        <pc:grpChg chg="add del">
+          <ac:chgData name="Ahmed Mahmoud" userId="a520bb48-7c22-4e5d-98d7-2bd178c8dd0a" providerId="ADAL" clId="{130FE924-C679-4611-81F6-483CAE3FC606}" dt="2024-11-23T20:14:57.474" v="4" actId="26606"/>
+          <ac:grpSpMkLst>
+            <pc:docMk/>
+            <pc:sldMk cId="395289356" sldId="269"/>
+            <ac:grpSpMk id="17" creationId="{43F5E015-E085-4624-B431-B42414448684}"/>
+          </ac:grpSpMkLst>
+        </pc:grpChg>
+        <pc:grpChg chg="add del">
+          <ac:chgData name="Ahmed Mahmoud" userId="a520bb48-7c22-4e5d-98d7-2bd178c8dd0a" providerId="ADAL" clId="{130FE924-C679-4611-81F6-483CAE3FC606}" dt="2024-11-23T20:15:00.631" v="6" actId="26606"/>
+          <ac:grpSpMkLst>
+            <pc:docMk/>
+            <pc:sldMk cId="395289356" sldId="269"/>
+            <ac:grpSpMk id="27" creationId="{05314994-6337-4875-8CF5-652CAFE8342C}"/>
+          </ac:grpSpMkLst>
+        </pc:grpChg>
+        <pc:graphicFrameChg chg="add del">
+          <ac:chgData name="Ahmed Mahmoud" userId="a520bb48-7c22-4e5d-98d7-2bd178c8dd0a" providerId="ADAL" clId="{130FE924-C679-4611-81F6-483CAE3FC606}" dt="2024-11-23T20:14:57.474" v="4" actId="26606"/>
+          <ac:graphicFrameMkLst>
+            <pc:docMk/>
+            <pc:sldMk cId="395289356" sldId="269"/>
+            <ac:graphicFrameMk id="5" creationId="{80AA212D-FCCA-4778-B907-1FC152CD6F23}"/>
+          </ac:graphicFrameMkLst>
+        </pc:graphicFrameChg>
+        <pc:graphicFrameChg chg="add del">
+          <ac:chgData name="Ahmed Mahmoud" userId="a520bb48-7c22-4e5d-98d7-2bd178c8dd0a" providerId="ADAL" clId="{130FE924-C679-4611-81F6-483CAE3FC606}" dt="2024-11-23T20:15:00.631" v="6" actId="26606"/>
+          <ac:graphicFrameMkLst>
+            <pc:docMk/>
+            <pc:sldMk cId="395289356" sldId="269"/>
+            <ac:graphicFrameMk id="31" creationId="{755558C5-A359-DEEC-5496-ED6EFA439695}"/>
+          </ac:graphicFrameMkLst>
+        </pc:graphicFrameChg>
+        <pc:graphicFrameChg chg="add del">
+          <ac:chgData name="Ahmed Mahmoud" userId="a520bb48-7c22-4e5d-98d7-2bd178c8dd0a" providerId="ADAL" clId="{130FE924-C679-4611-81F6-483CAE3FC606}" dt="2024-11-23T20:15:02.067" v="8" actId="26606"/>
+          <ac:graphicFrameMkLst>
+            <pc:docMk/>
+            <pc:sldMk cId="395289356" sldId="269"/>
+            <ac:graphicFrameMk id="33" creationId="{15DBD8CD-4725-B805-FD4E-E7BA050D1E44}"/>
+          </ac:graphicFrameMkLst>
+        </pc:graphicFrameChg>
+        <pc:graphicFrameChg chg="add del">
+          <ac:chgData name="Ahmed Mahmoud" userId="a520bb48-7c22-4e5d-98d7-2bd178c8dd0a" providerId="ADAL" clId="{130FE924-C679-4611-81F6-483CAE3FC606}" dt="2024-11-23T20:15:04.890" v="10" actId="26606"/>
+          <ac:graphicFrameMkLst>
+            <pc:docMk/>
+            <pc:sldMk cId="395289356" sldId="269"/>
+            <ac:graphicFrameMk id="35" creationId="{3AEC492B-D9CA-7330-D1D6-F529BF4EFE24}"/>
+          </ac:graphicFrameMkLst>
+        </pc:graphicFrameChg>
+        <pc:graphicFrameChg chg="add del">
+          <ac:chgData name="Ahmed Mahmoud" userId="a520bb48-7c22-4e5d-98d7-2bd178c8dd0a" providerId="ADAL" clId="{130FE924-C679-4611-81F6-483CAE3FC606}" dt="2024-11-23T20:15:06.801" v="12" actId="26606"/>
+          <ac:graphicFrameMkLst>
+            <pc:docMk/>
+            <pc:sldMk cId="395289356" sldId="269"/>
+            <ac:graphicFrameMk id="37" creationId="{15DBD8CD-4725-B805-FD4E-E7BA050D1E44}"/>
+          </ac:graphicFrameMkLst>
+        </pc:graphicFrameChg>
+      </pc:sldChg>
+      <pc:sldChg chg="modSp mod">
+        <pc:chgData name="Ahmed Mahmoud" userId="a520bb48-7c22-4e5d-98d7-2bd178c8dd0a" providerId="ADAL" clId="{130FE924-C679-4611-81F6-483CAE3FC606}" dt="2024-11-23T20:26:27.521" v="146" actId="20577"/>
+        <pc:sldMkLst>
+          <pc:docMk/>
+          <pc:sldMk cId="3195670563" sldId="270"/>
+        </pc:sldMkLst>
+        <pc:spChg chg="mod">
+          <ac:chgData name="Ahmed Mahmoud" userId="a520bb48-7c22-4e5d-98d7-2bd178c8dd0a" providerId="ADAL" clId="{130FE924-C679-4611-81F6-483CAE3FC606}" dt="2024-11-23T20:26:27.521" v="146" actId="20577"/>
+          <ac:spMkLst>
+            <pc:docMk/>
+            <pc:sldMk cId="3195670563" sldId="270"/>
+            <ac:spMk id="3" creationId="{A95CFA28-334C-08A0-664F-DCA5D15DF390}"/>
+          </ac:spMkLst>
+        </pc:spChg>
+      </pc:sldChg>
+      <pc:sldChg chg="modSp add mod ord">
+        <pc:chgData name="Ahmed Mahmoud" userId="a520bb48-7c22-4e5d-98d7-2bd178c8dd0a" providerId="ADAL" clId="{130FE924-C679-4611-81F6-483CAE3FC606}" dt="2024-11-23T20:16:59.115" v="47" actId="20577"/>
+        <pc:sldMkLst>
+          <pc:docMk/>
+          <pc:sldMk cId="3040570347" sldId="274"/>
+        </pc:sldMkLst>
+        <pc:spChg chg="mod">
+          <ac:chgData name="Ahmed Mahmoud" userId="a520bb48-7c22-4e5d-98d7-2bd178c8dd0a" providerId="ADAL" clId="{130FE924-C679-4611-81F6-483CAE3FC606}" dt="2024-11-23T20:16:59.115" v="47" actId="20577"/>
+          <ac:spMkLst>
+            <pc:docMk/>
+            <pc:sldMk cId="3040570347" sldId="274"/>
+            <ac:spMk id="2" creationId="{40D1017B-A801-E5E9-9B85-5F2220D8EB3F}"/>
+          </ac:spMkLst>
+        </pc:spChg>
+        <pc:spChg chg="mod">
+          <ac:chgData name="Ahmed Mahmoud" userId="a520bb48-7c22-4e5d-98d7-2bd178c8dd0a" providerId="ADAL" clId="{130FE924-C679-4611-81F6-483CAE3FC606}" dt="2024-11-23T20:16:52.943" v="34" actId="12"/>
+          <ac:spMkLst>
+            <pc:docMk/>
+            <pc:sldMk cId="3040570347" sldId="274"/>
+            <ac:spMk id="3" creationId="{2524DFFD-1E30-2B3A-C6C5-D35FB949FA61}"/>
+          </ac:spMkLst>
+        </pc:spChg>
+      </pc:sldChg>
+      <pc:sldChg chg="modSp add mod">
+        <pc:chgData name="Ahmed Mahmoud" userId="a520bb48-7c22-4e5d-98d7-2bd178c8dd0a" providerId="ADAL" clId="{130FE924-C679-4611-81F6-483CAE3FC606}" dt="2024-11-23T20:18:05.599" v="76" actId="20577"/>
+        <pc:sldMkLst>
+          <pc:docMk/>
+          <pc:sldMk cId="2784356521" sldId="275"/>
+        </pc:sldMkLst>
+        <pc:spChg chg="mod">
+          <ac:chgData name="Ahmed Mahmoud" userId="a520bb48-7c22-4e5d-98d7-2bd178c8dd0a" providerId="ADAL" clId="{130FE924-C679-4611-81F6-483CAE3FC606}" dt="2024-11-23T20:18:05.599" v="76" actId="20577"/>
+          <ac:spMkLst>
+            <pc:docMk/>
+            <pc:sldMk cId="2784356521" sldId="275"/>
+            <ac:spMk id="2" creationId="{BEDBF46A-1F5D-0038-17C1-E59AEC4EB642}"/>
+          </ac:spMkLst>
+        </pc:spChg>
+        <pc:spChg chg="mod">
+          <ac:chgData name="Ahmed Mahmoud" userId="a520bb48-7c22-4e5d-98d7-2bd178c8dd0a" providerId="ADAL" clId="{130FE924-C679-4611-81F6-483CAE3FC606}" dt="2024-11-23T20:17:52.662" v="68" actId="20577"/>
+          <ac:spMkLst>
+            <pc:docMk/>
+            <pc:sldMk cId="2784356521" sldId="275"/>
+            <ac:spMk id="3" creationId="{47EB56E5-9108-889E-4FAB-AD69FC383CC0}"/>
+          </ac:spMkLst>
+        </pc:spChg>
+      </pc:sldChg>
+      <pc:sldChg chg="modSp add mod ord">
+        <pc:chgData name="Ahmed Mahmoud" userId="a520bb48-7c22-4e5d-98d7-2bd178c8dd0a" providerId="ADAL" clId="{130FE924-C679-4611-81F6-483CAE3FC606}" dt="2024-11-23T20:24:00.271" v="139" actId="207"/>
+        <pc:sldMkLst>
+          <pc:docMk/>
+          <pc:sldMk cId="171757271" sldId="276"/>
+        </pc:sldMkLst>
+        <pc:spChg chg="mod">
+          <ac:chgData name="Ahmed Mahmoud" userId="a520bb48-7c22-4e5d-98d7-2bd178c8dd0a" providerId="ADAL" clId="{130FE924-C679-4611-81F6-483CAE3FC606}" dt="2024-11-23T20:24:00.271" v="139" actId="207"/>
+          <ac:spMkLst>
+            <pc:docMk/>
+            <pc:sldMk cId="171757271" sldId="276"/>
+            <ac:spMk id="6" creationId="{952CC1FF-6126-AFD8-FE5F-6F3D8DE7E049}"/>
+          </ac:spMkLst>
+        </pc:spChg>
+      </pc:sldChg>
+      <pc:sldChg chg="addSp modSp add mod">
+        <pc:chgData name="Ahmed Mahmoud" userId="a520bb48-7c22-4e5d-98d7-2bd178c8dd0a" providerId="ADAL" clId="{130FE924-C679-4611-81F6-483CAE3FC606}" dt="2024-11-23T20:21:43.754" v="124" actId="207"/>
+        <pc:sldMkLst>
+          <pc:docMk/>
+          <pc:sldMk cId="3863460898" sldId="277"/>
+        </pc:sldMkLst>
+        <pc:spChg chg="add mod">
+          <ac:chgData name="Ahmed Mahmoud" userId="a520bb48-7c22-4e5d-98d7-2bd178c8dd0a" providerId="ADAL" clId="{130FE924-C679-4611-81F6-483CAE3FC606}" dt="2024-11-23T20:20:17.193" v="107"/>
+          <ac:spMkLst>
+            <pc:docMk/>
+            <pc:sldMk cId="3863460898" sldId="277"/>
+            <ac:spMk id="2" creationId="{879E86F6-0A16-79FF-0BD6-0EEDAABA4FF2}"/>
+          </ac:spMkLst>
+        </pc:spChg>
+        <pc:spChg chg="mod">
+          <ac:chgData name="Ahmed Mahmoud" userId="a520bb48-7c22-4e5d-98d7-2bd178c8dd0a" providerId="ADAL" clId="{130FE924-C679-4611-81F6-483CAE3FC606}" dt="2024-11-23T20:21:43.754" v="124" actId="207"/>
+          <ac:spMkLst>
+            <pc:docMk/>
+            <pc:sldMk cId="3863460898" sldId="277"/>
+            <ac:spMk id="6" creationId="{F089AAFB-3867-9324-AA5F-7F40A3682E8F}"/>
+          </ac:spMkLst>
+        </pc:spChg>
+      </pc:sldChg>
+      <pc:sldChg chg="modSp add mod">
+        <pc:chgData name="Ahmed Mahmoud" userId="a520bb48-7c22-4e5d-98d7-2bd178c8dd0a" providerId="ADAL" clId="{130FE924-C679-4611-81F6-483CAE3FC606}" dt="2024-11-23T20:22:51.946" v="132" actId="11"/>
+        <pc:sldMkLst>
+          <pc:docMk/>
+          <pc:sldMk cId="197441843" sldId="278"/>
+        </pc:sldMkLst>
+        <pc:spChg chg="mod">
+          <ac:chgData name="Ahmed Mahmoud" userId="a520bb48-7c22-4e5d-98d7-2bd178c8dd0a" providerId="ADAL" clId="{130FE924-C679-4611-81F6-483CAE3FC606}" dt="2024-11-23T20:22:51.946" v="132" actId="11"/>
+          <ac:spMkLst>
+            <pc:docMk/>
+            <pc:sldMk cId="197441843" sldId="278"/>
+            <ac:spMk id="6" creationId="{69E3082A-CFC4-BA8E-D2D0-C41182C4D50A}"/>
+          </ac:spMkLst>
+        </pc:spChg>
+      </pc:sldChg>
+      <pc:sldChg chg="addSp delSp modSp new mod">
+        <pc:chgData name="Ahmed Mahmoud" userId="a520bb48-7c22-4e5d-98d7-2bd178c8dd0a" providerId="ADAL" clId="{130FE924-C679-4611-81F6-483CAE3FC606}" dt="2024-11-23T20:25:17.505" v="144" actId="208"/>
+        <pc:sldMkLst>
+          <pc:docMk/>
+          <pc:sldMk cId="4103425045" sldId="279"/>
+        </pc:sldMkLst>
+        <pc:spChg chg="del">
+          <ac:chgData name="Ahmed Mahmoud" userId="a520bb48-7c22-4e5d-98d7-2bd178c8dd0a" providerId="ADAL" clId="{130FE924-C679-4611-81F6-483CAE3FC606}" dt="2024-11-23T20:25:05.192" v="142" actId="478"/>
+          <ac:spMkLst>
+            <pc:docMk/>
+            <pc:sldMk cId="4103425045" sldId="279"/>
+            <ac:spMk id="2" creationId="{80A7FEC6-8E06-F6AA-5A3F-194E5B8BFDD5}"/>
+          </ac:spMkLst>
+        </pc:spChg>
+        <pc:spChg chg="del">
+          <ac:chgData name="Ahmed Mahmoud" userId="a520bb48-7c22-4e5d-98d7-2bd178c8dd0a" providerId="ADAL" clId="{130FE924-C679-4611-81F6-483CAE3FC606}" dt="2024-11-23T20:25:03.428" v="141" actId="478"/>
+          <ac:spMkLst>
+            <pc:docMk/>
+            <pc:sldMk cId="4103425045" sldId="279"/>
+            <ac:spMk id="3" creationId="{5F10F411-AA3B-6E9A-BA3B-F4501F16F1A1}"/>
+          </ac:spMkLst>
+        </pc:spChg>
+        <pc:picChg chg="add mod">
+          <ac:chgData name="Ahmed Mahmoud" userId="a520bb48-7c22-4e5d-98d7-2bd178c8dd0a" providerId="ADAL" clId="{130FE924-C679-4611-81F6-483CAE3FC606}" dt="2024-11-23T20:25:17.505" v="144" actId="208"/>
+          <ac:picMkLst>
+            <pc:docMk/>
+            <pc:sldMk cId="4103425045" sldId="279"/>
+            <ac:picMk id="5" creationId="{C54368D0-44F4-B03B-B4AB-83444AFAF961}"/>
+          </ac:picMkLst>
+        </pc:picChg>
+      </pc:sldChg>
+    </pc:docChg>
+  </pc:docChgLst>
+</pc:chgInfo>
 </file>
 
 <file path=ppt/slideLayouts/slideLayout1.xml><?xml version="1.0" encoding="utf-8"?>
@@ -3358,11 +3749,14 @@
           <a:lstStyle/>
           <a:p>
             <a:r>
-              <a:rPr lang="en-US" dirty="0">
+              <a:rPr lang="en-US">
                 <a:latin typeface="Aptos Mono" panose="020B0009020202020204" pitchFamily="49" charset="0"/>
               </a:rPr>
               <a:t>Parallel Computing</a:t>
             </a:r>
+            <a:endParaRPr lang="en-US" dirty="0">
+              <a:latin typeface="Aptos Mono" panose="020B0009020202020204" pitchFamily="49" charset="0"/>
+            </a:endParaRPr>
           </a:p>
         </p:txBody>
       </p:sp>
@@ -3388,7 +3782,7 @@
           <a:lstStyle/>
           <a:p>
             <a:r>
-              <a:rPr lang="en-US" dirty="0">
+              <a:rPr lang="en-US">
                 <a:latin typeface="Aptos Mono" panose="020B0009020202020204" pitchFamily="49" charset="0"/>
               </a:rPr>
               <a:t>Lab 5 Notes</a:t>
@@ -3396,11 +3790,14 @@
           </a:p>
           <a:p>
             <a:r>
-              <a:rPr lang="en-US" dirty="0">
+              <a:rPr lang="en-US">
                 <a:latin typeface="Aptos Mono" panose="020B0009020202020204" pitchFamily="49" charset="0"/>
               </a:rPr>
               <a:t>Autumn 2024-25</a:t>
             </a:r>
+            <a:endParaRPr lang="en-US" dirty="0">
+              <a:latin typeface="Aptos Mono" panose="020B0009020202020204" pitchFamily="49" charset="0"/>
+            </a:endParaRPr>
           </a:p>
         </p:txBody>
       </p:sp>
@@ -5495,7 +5892,13 @@
   <p:cSld>
     <p:spTree>
       <p:nvGrpSpPr>
-        <p:cNvPr id="1" name=""/>
+        <p:cNvPr id="1" name="">
+          <a:extLst>
+            <a:ext uri="{FF2B5EF4-FFF2-40B4-BE49-F238E27FC236}">
+              <a16:creationId xmlns:a16="http://schemas.microsoft.com/office/drawing/2014/main" id="{377E8632-FBFC-F24C-A9B1-44DDAD1453D8}"/>
+            </a:ext>
+          </a:extLst>
+        </p:cNvPr>
         <p:cNvGrpSpPr/>
         <p:nvPr/>
       </p:nvGrpSpPr>
@@ -5512,7 +5915,7 @@
           <p:cNvPr id="2" name="Title 1">
             <a:extLst>
               <a:ext uri="{FF2B5EF4-FFF2-40B4-BE49-F238E27FC236}">
-                <a16:creationId xmlns:a16="http://schemas.microsoft.com/office/drawing/2014/main" id="{F42C7D79-7854-FD48-2214-0290C6E33863}"/>
+                <a16:creationId xmlns:a16="http://schemas.microsoft.com/office/drawing/2014/main" id="{40D1017B-A801-E5E9-9B85-5F2220D8EB3F}"/>
               </a:ext>
             </a:extLst>
           </p:cNvPr>
@@ -5532,7 +5935,85 @@
               <a:rPr lang="en-US" b="1" dirty="0">
                 <a:latin typeface="Aptos Mono" panose="020B0009020202020204" pitchFamily="49" charset="0"/>
               </a:rPr>
-              <a:t>Thank You</a:t>
+              <a:t>Lab 5: Worker Pool</a:t>
+            </a:r>
+          </a:p>
+        </p:txBody>
+      </p:sp>
+      <p:sp>
+        <p:nvSpPr>
+          <p:cNvPr id="3" name="Content Placeholder 2">
+            <a:extLst>
+              <a:ext uri="{FF2B5EF4-FFF2-40B4-BE49-F238E27FC236}">
+                <a16:creationId xmlns:a16="http://schemas.microsoft.com/office/drawing/2014/main" id="{2524DFFD-1E30-2B3A-C6C5-D35FB949FA61}"/>
+              </a:ext>
+            </a:extLst>
+          </p:cNvPr>
+          <p:cNvSpPr>
+            <a:spLocks noGrp="1"/>
+          </p:cNvSpPr>
+          <p:nvPr>
+            <p:ph idx="1"/>
+          </p:nvPr>
+        </p:nvSpPr>
+        <p:spPr/>
+        <p:txBody>
+          <a:bodyPr>
+            <a:normAutofit/>
+          </a:bodyPr>
+          <a:lstStyle/>
+          <a:p>
+            <a:pPr>
+              <a:lnSpc>
+                <a:spcPct val="150000"/>
+              </a:lnSpc>
+            </a:pPr>
+            <a:r>
+              <a:rPr lang="en-US" sz="1800" b="0" dirty="0">
+                <a:solidFill>
+                  <a:srgbClr val="3B3B3B"/>
+                </a:solidFill>
+                <a:effectLst/>
+                <a:latin typeface="Aptos Mono" panose="020B0009020202020204" pitchFamily="49" charset="0"/>
+              </a:rPr>
+              <a:t>A </a:t>
+            </a:r>
+            <a:r>
+              <a:rPr lang="en-US" sz="1800" b="1" dirty="0">
+                <a:solidFill>
+                  <a:srgbClr val="000080"/>
+                </a:solidFill>
+                <a:effectLst/>
+                <a:latin typeface="Aptos Mono" panose="020B0009020202020204" pitchFamily="49" charset="0"/>
+              </a:rPr>
+              <a:t>worker pool</a:t>
+            </a:r>
+            <a:r>
+              <a:rPr lang="en-US" sz="1800" b="0" dirty="0">
+                <a:solidFill>
+                  <a:srgbClr val="3B3B3B"/>
+                </a:solidFill>
+                <a:effectLst/>
+                <a:latin typeface="Aptos Mono" panose="020B0009020202020204" pitchFamily="49" charset="0"/>
+              </a:rPr>
+              <a:t> is a concurrency pattern used to manage and distribute tasks among multiple worker goroutines efficiently. </a:t>
+            </a:r>
+          </a:p>
+          <a:p>
+            <a:pPr>
+              <a:lnSpc>
+                <a:spcPct val="150000"/>
+              </a:lnSpc>
+            </a:pPr>
+            <a:r>
+              <a:rPr lang="en-US" sz="1800" b="0" dirty="0">
+                <a:solidFill>
+                  <a:srgbClr val="3B3B3B"/>
+                </a:solidFill>
+                <a:effectLst/>
+                <a:latin typeface="Aptos Mono" panose="020B0009020202020204" pitchFamily="49" charset="0"/>
+              </a:rPr>
+              <a:t>It helps optimize resource usage by limiting the number of active workers while processing a potentially large number of tasks.  </a:t>
             </a:r>
           </a:p>
         </p:txBody>
@@ -5540,7 +6021,1144 @@
     </p:spTree>
     <p:extLst>
       <p:ext uri="{BB962C8B-B14F-4D97-AF65-F5344CB8AC3E}">
-        <p14:creationId xmlns:p14="http://schemas.microsoft.com/office/powerpoint/2010/main" val="4285215335"/>
+        <p14:creationId xmlns:p14="http://schemas.microsoft.com/office/powerpoint/2010/main" val="3040570347"/>
+      </p:ext>
+    </p:extLst>
+  </p:cSld>
+  <p:clrMapOvr>
+    <a:masterClrMapping/>
+  </p:clrMapOvr>
+</p:sld>
+</file>
+
+<file path=ppt/slides/slide17.xml><?xml version="1.0" encoding="utf-8"?>
+<p:sld xmlns:a="http://schemas.openxmlformats.org/drawingml/2006/main" xmlns:r="http://schemas.openxmlformats.org/officeDocument/2006/relationships" xmlns:p="http://schemas.openxmlformats.org/presentationml/2006/main">
+  <p:cSld>
+    <p:spTree>
+      <p:nvGrpSpPr>
+        <p:cNvPr id="1" name="">
+          <a:extLst>
+            <a:ext uri="{FF2B5EF4-FFF2-40B4-BE49-F238E27FC236}">
+              <a16:creationId xmlns:a16="http://schemas.microsoft.com/office/drawing/2014/main" id="{EBA562EC-4996-E852-CDA7-B0184D03A2F0}"/>
+            </a:ext>
+          </a:extLst>
+        </p:cNvPr>
+        <p:cNvGrpSpPr/>
+        <p:nvPr/>
+      </p:nvGrpSpPr>
+      <p:grpSpPr>
+        <a:xfrm>
+          <a:off x="0" y="0"/>
+          <a:ext cx="0" cy="0"/>
+          <a:chOff x="0" y="0"/>
+          <a:chExt cx="0" cy="0"/>
+        </a:xfrm>
+      </p:grpSpPr>
+      <p:sp>
+        <p:nvSpPr>
+          <p:cNvPr id="2" name="Title 1">
+            <a:extLst>
+              <a:ext uri="{FF2B5EF4-FFF2-40B4-BE49-F238E27FC236}">
+                <a16:creationId xmlns:a16="http://schemas.microsoft.com/office/drawing/2014/main" id="{BEDBF46A-1F5D-0038-17C1-E59AEC4EB642}"/>
+              </a:ext>
+            </a:extLst>
+          </p:cNvPr>
+          <p:cNvSpPr>
+            <a:spLocks noGrp="1"/>
+          </p:cNvSpPr>
+          <p:nvPr>
+            <p:ph type="title"/>
+          </p:nvPr>
+        </p:nvSpPr>
+        <p:spPr/>
+        <p:txBody>
+          <a:bodyPr/>
+          <a:lstStyle/>
+          <a:p>
+            <a:r>
+              <a:rPr lang="en-US" b="1" dirty="0">
+                <a:latin typeface="Aptos Mono" panose="020B0009020202020204" pitchFamily="49" charset="0"/>
+              </a:rPr>
+              <a:t>Example</a:t>
+            </a:r>
+          </a:p>
+        </p:txBody>
+      </p:sp>
+      <p:sp>
+        <p:nvSpPr>
+          <p:cNvPr id="3" name="Content Placeholder 2">
+            <a:extLst>
+              <a:ext uri="{FF2B5EF4-FFF2-40B4-BE49-F238E27FC236}">
+                <a16:creationId xmlns:a16="http://schemas.microsoft.com/office/drawing/2014/main" id="{47EB56E5-9108-889E-4FAB-AD69FC383CC0}"/>
+              </a:ext>
+            </a:extLst>
+          </p:cNvPr>
+          <p:cNvSpPr>
+            <a:spLocks noGrp="1"/>
+          </p:cNvSpPr>
+          <p:nvPr>
+            <p:ph idx="1"/>
+          </p:nvPr>
+        </p:nvSpPr>
+        <p:spPr/>
+        <p:txBody>
+          <a:bodyPr>
+            <a:normAutofit/>
+          </a:bodyPr>
+          <a:lstStyle/>
+          <a:p>
+            <a:pPr marL="0" indent="0">
+              <a:lnSpc>
+                <a:spcPct val="150000"/>
+              </a:lnSpc>
+              <a:buNone/>
+            </a:pPr>
+            <a:r>
+              <a:rPr lang="en-US" sz="1800" b="1" dirty="0">
+                <a:solidFill>
+                  <a:srgbClr val="800000"/>
+                </a:solidFill>
+                <a:effectLst/>
+                <a:latin typeface="Aptos Mono" panose="020B0009020202020204" pitchFamily="49" charset="0"/>
+              </a:rPr>
+              <a:t>Example: Basic Worker Pool</a:t>
+            </a:r>
+            <a:endParaRPr lang="en-US" sz="1800" b="0" dirty="0">
+              <a:solidFill>
+                <a:srgbClr val="3B3B3B"/>
+              </a:solidFill>
+              <a:effectLst/>
+              <a:latin typeface="Aptos Mono" panose="020B0009020202020204" pitchFamily="49" charset="0"/>
+            </a:endParaRPr>
+          </a:p>
+          <a:p>
+            <a:pPr marL="0" indent="0">
+              <a:lnSpc>
+                <a:spcPct val="150000"/>
+              </a:lnSpc>
+              <a:buNone/>
+            </a:pPr>
+            <a:r>
+              <a:rPr lang="en-US" sz="1800" b="0" dirty="0">
+                <a:solidFill>
+                  <a:srgbClr val="3B3B3B"/>
+                </a:solidFill>
+                <a:effectLst/>
+                <a:latin typeface="Aptos Mono" panose="020B0009020202020204" pitchFamily="49" charset="0"/>
+              </a:rPr>
+              <a:t>Imagine you have </a:t>
+            </a:r>
+            <a:r>
+              <a:rPr lang="en-US" sz="1800" b="1" dirty="0">
+                <a:solidFill>
+                  <a:srgbClr val="000080"/>
+                </a:solidFill>
+                <a:effectLst/>
+                <a:latin typeface="Aptos Mono" panose="020B0009020202020204" pitchFamily="49" charset="0"/>
+              </a:rPr>
+              <a:t>10 boxes</a:t>
+            </a:r>
+            <a:r>
+              <a:rPr lang="en-US" sz="1800" b="0" dirty="0">
+                <a:solidFill>
+                  <a:srgbClr val="3B3B3B"/>
+                </a:solidFill>
+                <a:effectLst/>
+                <a:latin typeface="Aptos Mono" panose="020B0009020202020204" pitchFamily="49" charset="0"/>
+              </a:rPr>
+              <a:t> to pack. If only one person (your main program) is working, it will take forever. But if you </a:t>
+            </a:r>
+            <a:r>
+              <a:rPr lang="en-US" sz="1800" b="1" dirty="0">
+                <a:solidFill>
+                  <a:srgbClr val="000080"/>
+                </a:solidFill>
+                <a:effectLst/>
+                <a:latin typeface="Aptos Mono" panose="020B0009020202020204" pitchFamily="49" charset="0"/>
+              </a:rPr>
+              <a:t>hire 3 workers</a:t>
+            </a:r>
+            <a:r>
+              <a:rPr lang="en-US" sz="1800" b="0" dirty="0">
+                <a:solidFill>
+                  <a:srgbClr val="3B3B3B"/>
+                </a:solidFill>
+                <a:effectLst/>
+                <a:latin typeface="Aptos Mono" panose="020B0009020202020204" pitchFamily="49" charset="0"/>
+              </a:rPr>
+              <a:t> (goroutines), they can share the workload, and </a:t>
+            </a:r>
+            <a:r>
+              <a:rPr lang="en-US" sz="1800" b="1" dirty="0">
+                <a:solidFill>
+                  <a:srgbClr val="000080"/>
+                </a:solidFill>
+                <a:effectLst/>
+                <a:latin typeface="Aptos Mono" panose="020B0009020202020204" pitchFamily="49" charset="0"/>
+              </a:rPr>
+              <a:t>the job gets done much faster. At the same time, you don’t hire too many workers</a:t>
+            </a:r>
+            <a:r>
+              <a:rPr lang="en-US" sz="1800" b="0" dirty="0">
+                <a:solidFill>
+                  <a:srgbClr val="3B3B3B"/>
+                </a:solidFill>
+                <a:effectLst/>
+                <a:latin typeface="Aptos Mono" panose="020B0009020202020204" pitchFamily="49" charset="0"/>
+              </a:rPr>
+              <a:t>, so you don’t run out of resources (like memory or processing power).</a:t>
+            </a:r>
+          </a:p>
+        </p:txBody>
+      </p:sp>
+    </p:spTree>
+    <p:extLst>
+      <p:ext uri="{BB962C8B-B14F-4D97-AF65-F5344CB8AC3E}">
+        <p14:creationId xmlns:p14="http://schemas.microsoft.com/office/powerpoint/2010/main" val="2784356521"/>
+      </p:ext>
+    </p:extLst>
+  </p:cSld>
+  <p:clrMapOvr>
+    <a:masterClrMapping/>
+  </p:clrMapOvr>
+</p:sld>
+</file>
+
+<file path=ppt/slides/slide18.xml><?xml version="1.0" encoding="utf-8"?>
+<p:sld xmlns:a="http://schemas.openxmlformats.org/drawingml/2006/main" xmlns:r="http://schemas.openxmlformats.org/officeDocument/2006/relationships" xmlns:p="http://schemas.openxmlformats.org/presentationml/2006/main">
+  <p:cSld>
+    <p:spTree>
+      <p:nvGrpSpPr>
+        <p:cNvPr id="1" name="">
+          <a:extLst>
+            <a:ext uri="{FF2B5EF4-FFF2-40B4-BE49-F238E27FC236}">
+              <a16:creationId xmlns:a16="http://schemas.microsoft.com/office/drawing/2014/main" id="{EB6B10C2-8A73-7244-D475-7B418F9DAAC3}"/>
+            </a:ext>
+          </a:extLst>
+        </p:cNvPr>
+        <p:cNvGrpSpPr/>
+        <p:nvPr/>
+      </p:nvGrpSpPr>
+      <p:grpSpPr>
+        <a:xfrm>
+          <a:off x="0" y="0"/>
+          <a:ext cx="0" cy="0"/>
+          <a:chOff x="0" y="0"/>
+          <a:chExt cx="0" cy="0"/>
+        </a:xfrm>
+      </p:grpSpPr>
+      <p:sp>
+        <p:nvSpPr>
+          <p:cNvPr id="6" name="Content Placeholder 2">
+            <a:extLst>
+              <a:ext uri="{FF2B5EF4-FFF2-40B4-BE49-F238E27FC236}">
+                <a16:creationId xmlns:a16="http://schemas.microsoft.com/office/drawing/2014/main" id="{952CC1FF-6126-AFD8-FE5F-6F3D8DE7E049}"/>
+              </a:ext>
+            </a:extLst>
+          </p:cNvPr>
+          <p:cNvSpPr>
+            <a:spLocks noGrp="1"/>
+          </p:cNvSpPr>
+          <p:nvPr>
+            <p:ph idx="1"/>
+          </p:nvPr>
+        </p:nvSpPr>
+        <p:spPr>
+          <a:xfrm>
+            <a:off x="838200" y="523081"/>
+            <a:ext cx="10515600" cy="5811838"/>
+          </a:xfrm>
+          <a:ln>
+            <a:solidFill>
+              <a:schemeClr val="tx1"/>
+            </a:solidFill>
+          </a:ln>
+        </p:spPr>
+        <p:txBody>
+          <a:bodyPr anchor="ctr">
+            <a:normAutofit/>
+          </a:bodyPr>
+          <a:lstStyle/>
+          <a:p>
+            <a:pPr marL="342900" indent="-342900">
+              <a:lnSpc>
+                <a:spcPct val="100000"/>
+              </a:lnSpc>
+              <a:buClr>
+                <a:schemeClr val="tx1"/>
+              </a:buClr>
+              <a:buFont typeface="+mj-lt"/>
+              <a:buAutoNum type="arabicPeriod"/>
+            </a:pPr>
+            <a:r>
+              <a:rPr lang="en-US" sz="1800" b="0" dirty="0" err="1">
+                <a:effectLst/>
+                <a:latin typeface="Consolas" panose="020B0609020204030204" pitchFamily="49" charset="0"/>
+              </a:rPr>
+              <a:t>func</a:t>
+            </a:r>
+            <a:r>
+              <a:rPr lang="en-US" sz="1800" b="0" dirty="0">
+                <a:effectLst/>
+                <a:latin typeface="Consolas" panose="020B0609020204030204" pitchFamily="49" charset="0"/>
+              </a:rPr>
+              <a:t> main() {</a:t>
+            </a:r>
+          </a:p>
+          <a:p>
+            <a:pPr marL="342900" indent="-342900">
+              <a:lnSpc>
+                <a:spcPct val="100000"/>
+              </a:lnSpc>
+              <a:buClr>
+                <a:schemeClr val="tx1"/>
+              </a:buClr>
+              <a:buFont typeface="+mj-lt"/>
+              <a:buAutoNum type="arabicPeriod"/>
+            </a:pPr>
+            <a:r>
+              <a:rPr lang="en-US" sz="1800" b="0" dirty="0">
+                <a:effectLst/>
+                <a:latin typeface="Consolas" panose="020B0609020204030204" pitchFamily="49" charset="0"/>
+              </a:rPr>
+              <a:t>    const </a:t>
+            </a:r>
+            <a:r>
+              <a:rPr lang="en-US" sz="1800" b="0" dirty="0" err="1">
+                <a:effectLst/>
+                <a:latin typeface="Consolas" panose="020B0609020204030204" pitchFamily="49" charset="0"/>
+              </a:rPr>
+              <a:t>numWorkers</a:t>
+            </a:r>
+            <a:r>
+              <a:rPr lang="en-US" sz="1800" b="0" dirty="0">
+                <a:effectLst/>
+                <a:latin typeface="Consolas" panose="020B0609020204030204" pitchFamily="49" charset="0"/>
+              </a:rPr>
+              <a:t> = 3</a:t>
+            </a:r>
+          </a:p>
+          <a:p>
+            <a:pPr marL="342900" indent="-342900">
+              <a:lnSpc>
+                <a:spcPct val="100000"/>
+              </a:lnSpc>
+              <a:buClr>
+                <a:schemeClr val="tx1"/>
+              </a:buClr>
+              <a:buFont typeface="+mj-lt"/>
+              <a:buAutoNum type="arabicPeriod"/>
+            </a:pPr>
+            <a:r>
+              <a:rPr lang="en-US" sz="1800" b="0" dirty="0">
+                <a:effectLst/>
+                <a:latin typeface="Consolas" panose="020B0609020204030204" pitchFamily="49" charset="0"/>
+              </a:rPr>
+              <a:t>    const </a:t>
+            </a:r>
+            <a:r>
+              <a:rPr lang="en-US" sz="1800" b="0" dirty="0" err="1">
+                <a:effectLst/>
+                <a:latin typeface="Consolas" panose="020B0609020204030204" pitchFamily="49" charset="0"/>
+              </a:rPr>
+              <a:t>numReq</a:t>
+            </a:r>
+            <a:r>
+              <a:rPr lang="en-US" sz="1800" b="0" dirty="0">
+                <a:effectLst/>
+                <a:latin typeface="Consolas" panose="020B0609020204030204" pitchFamily="49" charset="0"/>
+              </a:rPr>
+              <a:t> = 10</a:t>
+            </a:r>
+          </a:p>
+          <a:p>
+            <a:pPr marL="342900" indent="-342900">
+              <a:lnSpc>
+                <a:spcPct val="100000"/>
+              </a:lnSpc>
+              <a:buClr>
+                <a:schemeClr val="tx1"/>
+              </a:buClr>
+              <a:buFont typeface="+mj-lt"/>
+              <a:buAutoNum type="arabicPeriod"/>
+            </a:pPr>
+            <a:br>
+              <a:rPr lang="en-US" sz="1800" b="0" dirty="0">
+                <a:effectLst/>
+                <a:latin typeface="Consolas" panose="020B0609020204030204" pitchFamily="49" charset="0"/>
+              </a:rPr>
+            </a:br>
+            <a:r>
+              <a:rPr lang="en-US" sz="1800" b="0" dirty="0">
+                <a:effectLst/>
+                <a:latin typeface="Consolas" panose="020B0609020204030204" pitchFamily="49" charset="0"/>
+              </a:rPr>
+              <a:t>    tasks := make(</a:t>
+            </a:r>
+            <a:r>
+              <a:rPr lang="en-US" sz="1800" b="0" dirty="0" err="1">
+                <a:effectLst/>
+                <a:latin typeface="Consolas" panose="020B0609020204030204" pitchFamily="49" charset="0"/>
+              </a:rPr>
+              <a:t>chan</a:t>
+            </a:r>
+            <a:r>
+              <a:rPr lang="en-US" sz="1800" b="0" dirty="0">
+                <a:effectLst/>
+                <a:latin typeface="Consolas" panose="020B0609020204030204" pitchFamily="49" charset="0"/>
+              </a:rPr>
+              <a:t> int, </a:t>
+            </a:r>
+            <a:r>
+              <a:rPr lang="en-US" sz="1800" b="0" dirty="0" err="1">
+                <a:effectLst/>
+                <a:latin typeface="Consolas" panose="020B0609020204030204" pitchFamily="49" charset="0"/>
+              </a:rPr>
+              <a:t>numReq</a:t>
+            </a:r>
+            <a:r>
+              <a:rPr lang="en-US" sz="1800" b="0" dirty="0">
+                <a:effectLst/>
+                <a:latin typeface="Consolas" panose="020B0609020204030204" pitchFamily="49" charset="0"/>
+              </a:rPr>
+              <a:t>) </a:t>
+            </a:r>
+            <a:r>
+              <a:rPr lang="en-US" sz="1800" b="0" dirty="0">
+                <a:solidFill>
+                  <a:srgbClr val="008000"/>
+                </a:solidFill>
+                <a:effectLst/>
+                <a:latin typeface="Consolas" panose="020B0609020204030204" pitchFamily="49" charset="0"/>
+              </a:rPr>
+              <a:t>// Buffered Channel</a:t>
+            </a:r>
+          </a:p>
+          <a:p>
+            <a:pPr marL="342900" indent="-342900">
+              <a:lnSpc>
+                <a:spcPct val="100000"/>
+              </a:lnSpc>
+              <a:buClr>
+                <a:schemeClr val="tx1"/>
+              </a:buClr>
+              <a:buFont typeface="+mj-lt"/>
+              <a:buAutoNum type="arabicPeriod"/>
+            </a:pPr>
+            <a:r>
+              <a:rPr lang="en-US" sz="1800" b="0" dirty="0">
+                <a:effectLst/>
+                <a:latin typeface="Consolas" panose="020B0609020204030204" pitchFamily="49" charset="0"/>
+              </a:rPr>
+              <a:t>    var </a:t>
+            </a:r>
+            <a:r>
+              <a:rPr lang="en-US" sz="1800" b="0" dirty="0" err="1">
+                <a:effectLst/>
+                <a:latin typeface="Consolas" panose="020B0609020204030204" pitchFamily="49" charset="0"/>
+              </a:rPr>
+              <a:t>wg</a:t>
+            </a:r>
+            <a:r>
+              <a:rPr lang="en-US" sz="1800" b="0" dirty="0">
+                <a:effectLst/>
+                <a:latin typeface="Consolas" panose="020B0609020204030204" pitchFamily="49" charset="0"/>
+              </a:rPr>
+              <a:t> </a:t>
+            </a:r>
+            <a:r>
+              <a:rPr lang="en-US" sz="1800" b="0" dirty="0" err="1">
+                <a:effectLst/>
+                <a:latin typeface="Consolas" panose="020B0609020204030204" pitchFamily="49" charset="0"/>
+              </a:rPr>
+              <a:t>sync.WaitGroup</a:t>
+            </a:r>
+            <a:endParaRPr lang="en-US" sz="1800" b="0" dirty="0">
+              <a:effectLst/>
+              <a:latin typeface="Consolas" panose="020B0609020204030204" pitchFamily="49" charset="0"/>
+            </a:endParaRPr>
+          </a:p>
+          <a:p>
+            <a:pPr marL="342900" indent="-342900">
+              <a:lnSpc>
+                <a:spcPct val="100000"/>
+              </a:lnSpc>
+              <a:buClr>
+                <a:schemeClr val="tx1"/>
+              </a:buClr>
+              <a:buFont typeface="+mj-lt"/>
+              <a:buAutoNum type="arabicPeriod"/>
+            </a:pPr>
+            <a:endParaRPr lang="en-US" sz="1800" b="0" dirty="0">
+              <a:effectLst/>
+              <a:latin typeface="Consolas" panose="020B0609020204030204" pitchFamily="49" charset="0"/>
+            </a:endParaRPr>
+          </a:p>
+          <a:p>
+            <a:pPr marL="342900" indent="-342900">
+              <a:lnSpc>
+                <a:spcPct val="100000"/>
+              </a:lnSpc>
+              <a:buClr>
+                <a:schemeClr val="tx1"/>
+              </a:buClr>
+              <a:buFont typeface="+mj-lt"/>
+              <a:buAutoNum type="arabicPeriod"/>
+            </a:pPr>
+            <a:r>
+              <a:rPr lang="en-US" sz="1800" b="0" dirty="0">
+                <a:solidFill>
+                  <a:srgbClr val="00B050"/>
+                </a:solidFill>
+                <a:effectLst/>
+                <a:latin typeface="Consolas" panose="020B0609020204030204" pitchFamily="49" charset="0"/>
+              </a:rPr>
+              <a:t>   </a:t>
+            </a:r>
+            <a:r>
+              <a:rPr lang="en-US" sz="1800" b="0" dirty="0">
+                <a:solidFill>
+                  <a:srgbClr val="008000"/>
+                </a:solidFill>
+                <a:effectLst/>
+                <a:latin typeface="Consolas" panose="020B0609020204030204" pitchFamily="49" charset="0"/>
+              </a:rPr>
+              <a:t>//</a:t>
+            </a:r>
+            <a:r>
+              <a:rPr lang="en-US" sz="1800" b="0" dirty="0">
+                <a:solidFill>
+                  <a:srgbClr val="00B050"/>
+                </a:solidFill>
+                <a:effectLst/>
+                <a:latin typeface="Consolas" panose="020B0609020204030204" pitchFamily="49" charset="0"/>
+              </a:rPr>
+              <a:t> </a:t>
+            </a:r>
+            <a:r>
+              <a:rPr lang="en-US" sz="1800" b="0" dirty="0">
+                <a:solidFill>
+                  <a:srgbClr val="008000"/>
+                </a:solidFill>
+                <a:effectLst/>
+                <a:latin typeface="Consolas" panose="020B0609020204030204" pitchFamily="49" charset="0"/>
+              </a:rPr>
+              <a:t>Start</a:t>
+            </a:r>
+            <a:r>
+              <a:rPr lang="en-US" sz="1800" b="0" dirty="0">
+                <a:solidFill>
+                  <a:srgbClr val="00B050"/>
+                </a:solidFill>
+                <a:effectLst/>
+                <a:latin typeface="Consolas" panose="020B0609020204030204" pitchFamily="49" charset="0"/>
+              </a:rPr>
+              <a:t> </a:t>
+            </a:r>
+            <a:r>
+              <a:rPr lang="en-US" sz="1800" b="0" dirty="0">
+                <a:solidFill>
+                  <a:srgbClr val="008000"/>
+                </a:solidFill>
+                <a:effectLst/>
+                <a:latin typeface="Consolas" panose="020B0609020204030204" pitchFamily="49" charset="0"/>
+              </a:rPr>
+              <a:t>workers</a:t>
+            </a:r>
+          </a:p>
+          <a:p>
+            <a:pPr marL="342900" indent="-342900">
+              <a:lnSpc>
+                <a:spcPct val="100000"/>
+              </a:lnSpc>
+              <a:buClr>
+                <a:schemeClr val="tx1"/>
+              </a:buClr>
+              <a:buFont typeface="+mj-lt"/>
+              <a:buAutoNum type="arabicPeriod"/>
+            </a:pPr>
+            <a:r>
+              <a:rPr lang="en-US" sz="1800" b="0" dirty="0">
+                <a:effectLst/>
+                <a:latin typeface="Consolas" panose="020B0609020204030204" pitchFamily="49" charset="0"/>
+              </a:rPr>
+              <a:t>    for </a:t>
+            </a:r>
+            <a:r>
+              <a:rPr lang="en-US" sz="1800" b="0" dirty="0" err="1">
+                <a:effectLst/>
+                <a:latin typeface="Consolas" panose="020B0609020204030204" pitchFamily="49" charset="0"/>
+              </a:rPr>
+              <a:t>i</a:t>
+            </a:r>
+            <a:r>
+              <a:rPr lang="en-US" sz="1800" b="0" dirty="0">
+                <a:effectLst/>
+                <a:latin typeface="Consolas" panose="020B0609020204030204" pitchFamily="49" charset="0"/>
+              </a:rPr>
+              <a:t> := 1; </a:t>
+            </a:r>
+            <a:r>
+              <a:rPr lang="en-US" sz="1800" b="0" dirty="0" err="1">
+                <a:effectLst/>
+                <a:latin typeface="Consolas" panose="020B0609020204030204" pitchFamily="49" charset="0"/>
+              </a:rPr>
+              <a:t>i</a:t>
+            </a:r>
+            <a:r>
+              <a:rPr lang="en-US" sz="1800" b="0" dirty="0">
+                <a:effectLst/>
+                <a:latin typeface="Consolas" panose="020B0609020204030204" pitchFamily="49" charset="0"/>
+              </a:rPr>
+              <a:t> &lt;= </a:t>
+            </a:r>
+            <a:r>
+              <a:rPr lang="en-US" sz="1800" b="0" dirty="0" err="1">
+                <a:effectLst/>
+                <a:latin typeface="Consolas" panose="020B0609020204030204" pitchFamily="49" charset="0"/>
+              </a:rPr>
+              <a:t>numWorkers</a:t>
+            </a:r>
+            <a:r>
+              <a:rPr lang="en-US" sz="1800" b="0" dirty="0">
+                <a:effectLst/>
+                <a:latin typeface="Consolas" panose="020B0609020204030204" pitchFamily="49" charset="0"/>
+              </a:rPr>
+              <a:t>; </a:t>
+            </a:r>
+            <a:r>
+              <a:rPr lang="en-US" sz="1800" b="0" dirty="0" err="1">
+                <a:effectLst/>
+                <a:latin typeface="Consolas" panose="020B0609020204030204" pitchFamily="49" charset="0"/>
+              </a:rPr>
+              <a:t>i</a:t>
+            </a:r>
+            <a:r>
+              <a:rPr lang="en-US" sz="1800" b="0" dirty="0">
+                <a:effectLst/>
+                <a:latin typeface="Consolas" panose="020B0609020204030204" pitchFamily="49" charset="0"/>
+              </a:rPr>
+              <a:t>++ {</a:t>
+            </a:r>
+          </a:p>
+          <a:p>
+            <a:pPr marL="342900" indent="-342900">
+              <a:lnSpc>
+                <a:spcPct val="100000"/>
+              </a:lnSpc>
+              <a:buClr>
+                <a:schemeClr val="tx1"/>
+              </a:buClr>
+              <a:buFont typeface="+mj-lt"/>
+              <a:buAutoNum type="arabicPeriod"/>
+            </a:pPr>
+            <a:r>
+              <a:rPr lang="en-US" sz="1800" b="0" dirty="0">
+                <a:effectLst/>
+                <a:latin typeface="Consolas" panose="020B0609020204030204" pitchFamily="49" charset="0"/>
+              </a:rPr>
+              <a:t>        </a:t>
+            </a:r>
+            <a:r>
+              <a:rPr lang="en-US" sz="1800" b="0" dirty="0" err="1">
+                <a:effectLst/>
+                <a:latin typeface="Consolas" panose="020B0609020204030204" pitchFamily="49" charset="0"/>
+              </a:rPr>
+              <a:t>wg.Add</a:t>
+            </a:r>
+            <a:r>
+              <a:rPr lang="en-US" sz="1800" b="0" dirty="0">
+                <a:effectLst/>
+                <a:latin typeface="Consolas" panose="020B0609020204030204" pitchFamily="49" charset="0"/>
+              </a:rPr>
+              <a:t>(1)</a:t>
+            </a:r>
+          </a:p>
+          <a:p>
+            <a:pPr marL="342900" indent="-342900">
+              <a:lnSpc>
+                <a:spcPct val="100000"/>
+              </a:lnSpc>
+              <a:buClr>
+                <a:schemeClr val="tx1"/>
+              </a:buClr>
+              <a:buFont typeface="+mj-lt"/>
+              <a:buAutoNum type="arabicPeriod"/>
+            </a:pPr>
+            <a:r>
+              <a:rPr lang="en-US" sz="1800" b="0" dirty="0">
+                <a:effectLst/>
+                <a:latin typeface="Consolas" panose="020B0609020204030204" pitchFamily="49" charset="0"/>
+              </a:rPr>
+              <a:t>        go worker(</a:t>
+            </a:r>
+            <a:r>
+              <a:rPr lang="en-US" sz="1800" b="0" dirty="0" err="1">
+                <a:effectLst/>
+                <a:latin typeface="Consolas" panose="020B0609020204030204" pitchFamily="49" charset="0"/>
+              </a:rPr>
+              <a:t>i</a:t>
+            </a:r>
+            <a:r>
+              <a:rPr lang="en-US" sz="1800" b="0" dirty="0">
+                <a:effectLst/>
+                <a:latin typeface="Consolas" panose="020B0609020204030204" pitchFamily="49" charset="0"/>
+              </a:rPr>
+              <a:t>, tasks, &amp;</a:t>
+            </a:r>
+            <a:r>
+              <a:rPr lang="en-US" sz="1800" b="0" dirty="0" err="1">
+                <a:effectLst/>
+                <a:latin typeface="Consolas" panose="020B0609020204030204" pitchFamily="49" charset="0"/>
+              </a:rPr>
+              <a:t>wg</a:t>
+            </a:r>
+            <a:r>
+              <a:rPr lang="en-US" sz="1800" b="0" dirty="0">
+                <a:effectLst/>
+                <a:latin typeface="Consolas" panose="020B0609020204030204" pitchFamily="49" charset="0"/>
+              </a:rPr>
+              <a:t>)</a:t>
+            </a:r>
+          </a:p>
+          <a:p>
+            <a:pPr marL="342900" indent="-342900">
+              <a:lnSpc>
+                <a:spcPct val="100000"/>
+              </a:lnSpc>
+              <a:buClr>
+                <a:schemeClr val="tx1"/>
+              </a:buClr>
+              <a:buFont typeface="+mj-lt"/>
+              <a:buAutoNum type="arabicPeriod"/>
+            </a:pPr>
+            <a:r>
+              <a:rPr lang="en-US" sz="1800" b="0" dirty="0">
+                <a:effectLst/>
+                <a:latin typeface="Consolas" panose="020B0609020204030204" pitchFamily="49" charset="0"/>
+              </a:rPr>
+              <a:t>    }</a:t>
+            </a:r>
+            <a:br>
+              <a:rPr lang="en-US" sz="1800" b="0" dirty="0">
+                <a:effectLst/>
+                <a:latin typeface="Consolas" panose="020B0609020204030204" pitchFamily="49" charset="0"/>
+              </a:rPr>
+            </a:br>
+            <a:endParaRPr lang="en-US" sz="1800" b="0" dirty="0">
+              <a:effectLst/>
+              <a:latin typeface="Consolas" panose="020B0609020204030204" pitchFamily="49" charset="0"/>
+            </a:endParaRPr>
+          </a:p>
+        </p:txBody>
+      </p:sp>
+    </p:spTree>
+    <p:extLst>
+      <p:ext uri="{BB962C8B-B14F-4D97-AF65-F5344CB8AC3E}">
+        <p14:creationId xmlns:p14="http://schemas.microsoft.com/office/powerpoint/2010/main" val="171757271"/>
+      </p:ext>
+    </p:extLst>
+  </p:cSld>
+  <p:clrMapOvr>
+    <a:masterClrMapping/>
+  </p:clrMapOvr>
+</p:sld>
+</file>
+
+<file path=ppt/slides/slide19.xml><?xml version="1.0" encoding="utf-8"?>
+<p:sld xmlns:a="http://schemas.openxmlformats.org/drawingml/2006/main" xmlns:r="http://schemas.openxmlformats.org/officeDocument/2006/relationships" xmlns:p="http://schemas.openxmlformats.org/presentationml/2006/main">
+  <p:cSld>
+    <p:spTree>
+      <p:nvGrpSpPr>
+        <p:cNvPr id="1" name="">
+          <a:extLst>
+            <a:ext uri="{FF2B5EF4-FFF2-40B4-BE49-F238E27FC236}">
+              <a16:creationId xmlns:a16="http://schemas.microsoft.com/office/drawing/2014/main" id="{F73874B2-35FD-FF34-9973-B3921431169C}"/>
+            </a:ext>
+          </a:extLst>
+        </p:cNvPr>
+        <p:cNvGrpSpPr/>
+        <p:nvPr/>
+      </p:nvGrpSpPr>
+      <p:grpSpPr>
+        <a:xfrm>
+          <a:off x="0" y="0"/>
+          <a:ext cx="0" cy="0"/>
+          <a:chOff x="0" y="0"/>
+          <a:chExt cx="0" cy="0"/>
+        </a:xfrm>
+      </p:grpSpPr>
+      <p:sp>
+        <p:nvSpPr>
+          <p:cNvPr id="6" name="Content Placeholder 2">
+            <a:extLst>
+              <a:ext uri="{FF2B5EF4-FFF2-40B4-BE49-F238E27FC236}">
+                <a16:creationId xmlns:a16="http://schemas.microsoft.com/office/drawing/2014/main" id="{F089AAFB-3867-9324-AA5F-7F40A3682E8F}"/>
+              </a:ext>
+            </a:extLst>
+          </p:cNvPr>
+          <p:cNvSpPr>
+            <a:spLocks noGrp="1"/>
+          </p:cNvSpPr>
+          <p:nvPr>
+            <p:ph idx="1"/>
+          </p:nvPr>
+        </p:nvSpPr>
+        <p:spPr>
+          <a:xfrm>
+            <a:off x="838200" y="523081"/>
+            <a:ext cx="10515600" cy="5811838"/>
+          </a:xfrm>
+          <a:ln>
+            <a:solidFill>
+              <a:schemeClr val="tx1"/>
+            </a:solidFill>
+          </a:ln>
+        </p:spPr>
+        <p:txBody>
+          <a:bodyPr anchor="ctr">
+            <a:normAutofit/>
+          </a:bodyPr>
+          <a:lstStyle/>
+          <a:p>
+            <a:pPr marL="342900" indent="-342900">
+              <a:lnSpc>
+                <a:spcPct val="100000"/>
+              </a:lnSpc>
+              <a:buFont typeface="+mj-lt"/>
+              <a:buAutoNum type="arabicPeriod" startAt="11"/>
+            </a:pPr>
+            <a:r>
+              <a:rPr lang="en-US" sz="1800" b="0" dirty="0">
+                <a:solidFill>
+                  <a:srgbClr val="000000"/>
+                </a:solidFill>
+                <a:effectLst/>
+                <a:latin typeface="Aptos Mono" panose="020B0009020202020204" pitchFamily="49" charset="0"/>
+              </a:rPr>
+              <a:t>   </a:t>
+            </a:r>
+            <a:r>
+              <a:rPr lang="en-US" sz="1800" b="0" dirty="0">
+                <a:solidFill>
+                  <a:srgbClr val="008000"/>
+                </a:solidFill>
+                <a:effectLst/>
+                <a:latin typeface="Aptos Mono" panose="020B0009020202020204" pitchFamily="49" charset="0"/>
+              </a:rPr>
+              <a:t>// Send tasks to the task queue</a:t>
+            </a:r>
+            <a:endParaRPr lang="en-US" sz="1800" b="0" dirty="0">
+              <a:solidFill>
+                <a:srgbClr val="3B3B3B"/>
+              </a:solidFill>
+              <a:effectLst/>
+              <a:latin typeface="Aptos Mono" panose="020B0009020202020204" pitchFamily="49" charset="0"/>
+            </a:endParaRPr>
+          </a:p>
+          <a:p>
+            <a:pPr marL="342900" indent="-342900">
+              <a:lnSpc>
+                <a:spcPct val="100000"/>
+              </a:lnSpc>
+              <a:buFont typeface="+mj-lt"/>
+              <a:buAutoNum type="arabicPeriod" startAt="11"/>
+            </a:pPr>
+            <a:r>
+              <a:rPr lang="en-US" sz="1800" b="0" dirty="0">
+                <a:solidFill>
+                  <a:srgbClr val="000000"/>
+                </a:solidFill>
+                <a:effectLst/>
+                <a:latin typeface="Aptos Mono" panose="020B0009020202020204" pitchFamily="49" charset="0"/>
+              </a:rPr>
+              <a:t>    </a:t>
+            </a:r>
+            <a:r>
+              <a:rPr lang="en-US" sz="1800" b="0" dirty="0">
+                <a:effectLst/>
+                <a:latin typeface="Aptos Mono" panose="020B0009020202020204" pitchFamily="49" charset="0"/>
+              </a:rPr>
+              <a:t>for </a:t>
+            </a:r>
+            <a:r>
+              <a:rPr lang="en-US" sz="1800" b="0" dirty="0" err="1">
+                <a:effectLst/>
+                <a:latin typeface="Aptos Mono" panose="020B0009020202020204" pitchFamily="49" charset="0"/>
+              </a:rPr>
+              <a:t>i</a:t>
+            </a:r>
+            <a:r>
+              <a:rPr lang="en-US" sz="1800" b="0" dirty="0">
+                <a:effectLst/>
+                <a:latin typeface="Aptos Mono" panose="020B0009020202020204" pitchFamily="49" charset="0"/>
+              </a:rPr>
+              <a:t> := 1; </a:t>
+            </a:r>
+            <a:r>
+              <a:rPr lang="en-US" sz="1800" b="0" dirty="0" err="1">
+                <a:effectLst/>
+                <a:latin typeface="Aptos Mono" panose="020B0009020202020204" pitchFamily="49" charset="0"/>
+              </a:rPr>
+              <a:t>i</a:t>
+            </a:r>
+            <a:r>
+              <a:rPr lang="en-US" sz="1800" b="0" dirty="0">
+                <a:effectLst/>
+                <a:latin typeface="Aptos Mono" panose="020B0009020202020204" pitchFamily="49" charset="0"/>
+              </a:rPr>
+              <a:t> &lt;= </a:t>
+            </a:r>
+            <a:r>
+              <a:rPr lang="en-US" sz="1800" b="0" dirty="0" err="1">
+                <a:effectLst/>
+                <a:latin typeface="Aptos Mono" panose="020B0009020202020204" pitchFamily="49" charset="0"/>
+              </a:rPr>
+              <a:t>numReq</a:t>
+            </a:r>
+            <a:r>
+              <a:rPr lang="en-US" sz="1800" b="0" dirty="0">
+                <a:effectLst/>
+                <a:latin typeface="Aptos Mono" panose="020B0009020202020204" pitchFamily="49" charset="0"/>
+              </a:rPr>
+              <a:t>; </a:t>
+            </a:r>
+            <a:r>
+              <a:rPr lang="en-US" sz="1800" b="0" dirty="0" err="1">
+                <a:effectLst/>
+                <a:latin typeface="Aptos Mono" panose="020B0009020202020204" pitchFamily="49" charset="0"/>
+              </a:rPr>
+              <a:t>i</a:t>
+            </a:r>
+            <a:r>
+              <a:rPr lang="en-US" sz="1800" b="0" dirty="0">
+                <a:effectLst/>
+                <a:latin typeface="Aptos Mono" panose="020B0009020202020204" pitchFamily="49" charset="0"/>
+              </a:rPr>
+              <a:t>++ {</a:t>
+            </a:r>
+          </a:p>
+          <a:p>
+            <a:pPr marL="342900" indent="-342900">
+              <a:lnSpc>
+                <a:spcPct val="100000"/>
+              </a:lnSpc>
+              <a:buFont typeface="+mj-lt"/>
+              <a:buAutoNum type="arabicPeriod" startAt="11"/>
+            </a:pPr>
+            <a:r>
+              <a:rPr lang="en-US" sz="1800" b="0" dirty="0">
+                <a:effectLst/>
+                <a:latin typeface="Aptos Mono" panose="020B0009020202020204" pitchFamily="49" charset="0"/>
+              </a:rPr>
+              <a:t>        tasks &lt;- </a:t>
+            </a:r>
+            <a:r>
+              <a:rPr lang="en-US" sz="1800" b="0" dirty="0" err="1">
+                <a:effectLst/>
+                <a:latin typeface="Aptos Mono" panose="020B0009020202020204" pitchFamily="49" charset="0"/>
+              </a:rPr>
+              <a:t>i</a:t>
+            </a:r>
+            <a:endParaRPr lang="en-US" sz="1800" b="0" dirty="0">
+              <a:effectLst/>
+              <a:latin typeface="Aptos Mono" panose="020B0009020202020204" pitchFamily="49" charset="0"/>
+            </a:endParaRPr>
+          </a:p>
+          <a:p>
+            <a:pPr marL="342900" indent="-342900">
+              <a:lnSpc>
+                <a:spcPct val="100000"/>
+              </a:lnSpc>
+              <a:buFont typeface="+mj-lt"/>
+              <a:buAutoNum type="arabicPeriod" startAt="11"/>
+            </a:pPr>
+            <a:r>
+              <a:rPr lang="en-US" sz="1800" b="0" dirty="0">
+                <a:effectLst/>
+                <a:latin typeface="Aptos Mono" panose="020B0009020202020204" pitchFamily="49" charset="0"/>
+              </a:rPr>
+              <a:t>    }</a:t>
+            </a:r>
+          </a:p>
+          <a:p>
+            <a:pPr marL="342900" indent="-342900">
+              <a:lnSpc>
+                <a:spcPct val="100000"/>
+              </a:lnSpc>
+              <a:buFont typeface="+mj-lt"/>
+              <a:buAutoNum type="arabicPeriod" startAt="11"/>
+            </a:pPr>
+            <a:r>
+              <a:rPr lang="en-US" sz="1800" b="0" dirty="0">
+                <a:solidFill>
+                  <a:srgbClr val="000000"/>
+                </a:solidFill>
+                <a:effectLst/>
+                <a:latin typeface="Aptos Mono" panose="020B0009020202020204" pitchFamily="49" charset="0"/>
+              </a:rPr>
+              <a:t>    </a:t>
+            </a:r>
+            <a:r>
+              <a:rPr lang="en-US" sz="1800" b="0" dirty="0">
+                <a:effectLst/>
+                <a:latin typeface="Aptos Mono" panose="020B0009020202020204" pitchFamily="49" charset="0"/>
+              </a:rPr>
+              <a:t>close(tasks) </a:t>
+            </a:r>
+            <a:r>
+              <a:rPr lang="en-US" sz="1800" b="0" dirty="0">
+                <a:solidFill>
+                  <a:srgbClr val="008000"/>
+                </a:solidFill>
+                <a:effectLst/>
+                <a:latin typeface="Aptos Mono" panose="020B0009020202020204" pitchFamily="49" charset="0"/>
+              </a:rPr>
+              <a:t>// Close the task channel to signal no more tasks</a:t>
+            </a:r>
+            <a:endParaRPr lang="en-US" sz="1800" b="0" dirty="0">
+              <a:solidFill>
+                <a:srgbClr val="3B3B3B"/>
+              </a:solidFill>
+              <a:effectLst/>
+              <a:latin typeface="Aptos Mono" panose="020B0009020202020204" pitchFamily="49" charset="0"/>
+            </a:endParaRPr>
+          </a:p>
+          <a:p>
+            <a:pPr marL="342900" indent="-342900">
+              <a:lnSpc>
+                <a:spcPct val="100000"/>
+              </a:lnSpc>
+              <a:buFont typeface="+mj-lt"/>
+              <a:buAutoNum type="arabicPeriod" startAt="11"/>
+            </a:pPr>
+            <a:br>
+              <a:rPr lang="en-US" sz="1800" b="0" dirty="0">
+                <a:solidFill>
+                  <a:srgbClr val="3B3B3B"/>
+                </a:solidFill>
+                <a:effectLst/>
+                <a:latin typeface="Aptos Mono" panose="020B0009020202020204" pitchFamily="49" charset="0"/>
+              </a:rPr>
+            </a:br>
+            <a:r>
+              <a:rPr lang="en-US" sz="1800" b="0" dirty="0">
+                <a:solidFill>
+                  <a:srgbClr val="000000"/>
+                </a:solidFill>
+                <a:effectLst/>
+                <a:latin typeface="Aptos Mono" panose="020B0009020202020204" pitchFamily="49" charset="0"/>
+              </a:rPr>
+              <a:t>    </a:t>
+            </a:r>
+            <a:r>
+              <a:rPr lang="en-US" sz="1800" b="0" dirty="0">
+                <a:solidFill>
+                  <a:srgbClr val="008000"/>
+                </a:solidFill>
+                <a:effectLst/>
+                <a:latin typeface="Aptos Mono" panose="020B0009020202020204" pitchFamily="49" charset="0"/>
+              </a:rPr>
+              <a:t>// Wait for all workers to finish</a:t>
+            </a:r>
+            <a:endParaRPr lang="en-US" sz="1800" b="0" dirty="0">
+              <a:solidFill>
+                <a:srgbClr val="3B3B3B"/>
+              </a:solidFill>
+              <a:effectLst/>
+              <a:latin typeface="Aptos Mono" panose="020B0009020202020204" pitchFamily="49" charset="0"/>
+            </a:endParaRPr>
+          </a:p>
+          <a:p>
+            <a:pPr marL="342900" indent="-342900">
+              <a:lnSpc>
+                <a:spcPct val="100000"/>
+              </a:lnSpc>
+              <a:buFont typeface="+mj-lt"/>
+              <a:buAutoNum type="arabicPeriod" startAt="11"/>
+            </a:pPr>
+            <a:r>
+              <a:rPr lang="en-US" sz="1800" b="0" dirty="0">
+                <a:effectLst/>
+                <a:latin typeface="Aptos Mono" panose="020B0009020202020204" pitchFamily="49" charset="0"/>
+              </a:rPr>
+              <a:t>    </a:t>
+            </a:r>
+            <a:r>
+              <a:rPr lang="en-US" sz="1800" b="0" dirty="0" err="1">
+                <a:effectLst/>
+                <a:latin typeface="Aptos Mono" panose="020B0009020202020204" pitchFamily="49" charset="0"/>
+              </a:rPr>
+              <a:t>wg.Wait</a:t>
+            </a:r>
+            <a:r>
+              <a:rPr lang="en-US" sz="1800" b="0" dirty="0">
+                <a:effectLst/>
+                <a:latin typeface="Aptos Mono" panose="020B0009020202020204" pitchFamily="49" charset="0"/>
+              </a:rPr>
+              <a:t>()</a:t>
+            </a:r>
+          </a:p>
+          <a:p>
+            <a:pPr marL="342900" indent="-342900">
+              <a:lnSpc>
+                <a:spcPct val="100000"/>
+              </a:lnSpc>
+              <a:buFont typeface="+mj-lt"/>
+              <a:buAutoNum type="arabicPeriod" startAt="11"/>
+            </a:pPr>
+            <a:r>
+              <a:rPr lang="en-US" sz="1800" dirty="0">
+                <a:latin typeface="Aptos Mono" panose="020B0009020202020204" pitchFamily="49" charset="0"/>
+              </a:rPr>
+              <a:t>    </a:t>
+            </a:r>
+            <a:r>
+              <a:rPr lang="en-US" sz="1800" b="0" dirty="0" err="1">
+                <a:effectLst/>
+                <a:latin typeface="Aptos Mono" panose="020B0009020202020204" pitchFamily="49" charset="0"/>
+              </a:rPr>
+              <a:t>fmt.Println</a:t>
+            </a:r>
+            <a:r>
+              <a:rPr lang="en-US" sz="1800" b="0" dirty="0">
+                <a:effectLst/>
+                <a:latin typeface="Aptos Mono" panose="020B0009020202020204" pitchFamily="49" charset="0"/>
+              </a:rPr>
+              <a:t>("All tasks processed.")</a:t>
+            </a:r>
+          </a:p>
+          <a:p>
+            <a:pPr marL="342900" indent="-342900">
+              <a:lnSpc>
+                <a:spcPct val="100000"/>
+              </a:lnSpc>
+              <a:buFont typeface="+mj-lt"/>
+              <a:buAutoNum type="arabicPeriod" startAt="11"/>
+            </a:pPr>
+            <a:r>
+              <a:rPr lang="en-US" sz="1800" dirty="0">
+                <a:solidFill>
+                  <a:srgbClr val="000000"/>
+                </a:solidFill>
+                <a:latin typeface="Aptos Mono" panose="020B0009020202020204" pitchFamily="49" charset="0"/>
+              </a:rPr>
+              <a:t>}</a:t>
+            </a:r>
+            <a:endParaRPr lang="en-US" sz="1800" b="0" dirty="0">
+              <a:solidFill>
+                <a:srgbClr val="3B3B3B"/>
+              </a:solidFill>
+              <a:effectLst/>
+              <a:latin typeface="Aptos Mono" panose="020B0009020202020204" pitchFamily="49" charset="0"/>
+            </a:endParaRPr>
+          </a:p>
+        </p:txBody>
+      </p:sp>
+    </p:spTree>
+    <p:extLst>
+      <p:ext uri="{BB962C8B-B14F-4D97-AF65-F5344CB8AC3E}">
+        <p14:creationId xmlns:p14="http://schemas.microsoft.com/office/powerpoint/2010/main" val="3863460898"/>
       </p:ext>
     </p:extLst>
   </p:cSld>
@@ -5589,11 +7207,14 @@
           <a:lstStyle/>
           <a:p>
             <a:r>
-              <a:rPr lang="en-US" b="1" dirty="0">
+              <a:rPr lang="en-US" b="1">
                 <a:latin typeface="Aptos Mono" panose="020B0009020202020204" pitchFamily="49" charset="0"/>
               </a:rPr>
               <a:t>Review on Previous Labs</a:t>
             </a:r>
+            <a:endParaRPr lang="en-US" b="1" dirty="0">
+              <a:latin typeface="Aptos Mono" panose="020B0009020202020204" pitchFamily="49" charset="0"/>
+            </a:endParaRPr>
           </a:p>
         </p:txBody>
       </p:sp>
@@ -5661,6 +7282,418 @@
     <p:extLst>
       <p:ext uri="{BB962C8B-B14F-4D97-AF65-F5344CB8AC3E}">
         <p14:creationId xmlns:p14="http://schemas.microsoft.com/office/powerpoint/2010/main" val="395289356"/>
+      </p:ext>
+    </p:extLst>
+  </p:cSld>
+  <p:clrMapOvr>
+    <a:masterClrMapping/>
+  </p:clrMapOvr>
+</p:sld>
+</file>
+
+<file path=ppt/slides/slide20.xml><?xml version="1.0" encoding="utf-8"?>
+<p:sld xmlns:a="http://schemas.openxmlformats.org/drawingml/2006/main" xmlns:r="http://schemas.openxmlformats.org/officeDocument/2006/relationships" xmlns:p="http://schemas.openxmlformats.org/presentationml/2006/main">
+  <p:cSld>
+    <p:spTree>
+      <p:nvGrpSpPr>
+        <p:cNvPr id="1" name="">
+          <a:extLst>
+            <a:ext uri="{FF2B5EF4-FFF2-40B4-BE49-F238E27FC236}">
+              <a16:creationId xmlns:a16="http://schemas.microsoft.com/office/drawing/2014/main" id="{24174A26-8760-F30E-B769-F38F8B825555}"/>
+            </a:ext>
+          </a:extLst>
+        </p:cNvPr>
+        <p:cNvGrpSpPr/>
+        <p:nvPr/>
+      </p:nvGrpSpPr>
+      <p:grpSpPr>
+        <a:xfrm>
+          <a:off x="0" y="0"/>
+          <a:ext cx="0" cy="0"/>
+          <a:chOff x="0" y="0"/>
+          <a:chExt cx="0" cy="0"/>
+        </a:xfrm>
+      </p:grpSpPr>
+      <p:sp>
+        <p:nvSpPr>
+          <p:cNvPr id="6" name="Content Placeholder 2">
+            <a:extLst>
+              <a:ext uri="{FF2B5EF4-FFF2-40B4-BE49-F238E27FC236}">
+                <a16:creationId xmlns:a16="http://schemas.microsoft.com/office/drawing/2014/main" id="{69E3082A-CFC4-BA8E-D2D0-C41182C4D50A}"/>
+              </a:ext>
+            </a:extLst>
+          </p:cNvPr>
+          <p:cNvSpPr>
+            <a:spLocks noGrp="1"/>
+          </p:cNvSpPr>
+          <p:nvPr>
+            <p:ph idx="1"/>
+          </p:nvPr>
+        </p:nvSpPr>
+        <p:spPr>
+          <a:xfrm>
+            <a:off x="838200" y="523081"/>
+            <a:ext cx="10515600" cy="5811838"/>
+          </a:xfrm>
+          <a:ln>
+            <a:solidFill>
+              <a:schemeClr val="tx1"/>
+            </a:solidFill>
+          </a:ln>
+        </p:spPr>
+        <p:txBody>
+          <a:bodyPr anchor="ctr">
+            <a:normAutofit/>
+          </a:bodyPr>
+          <a:lstStyle/>
+          <a:p>
+            <a:pPr marL="342900" indent="-342900">
+              <a:lnSpc>
+                <a:spcPct val="100000"/>
+              </a:lnSpc>
+              <a:buFont typeface="+mj-lt"/>
+              <a:buAutoNum type="arabicPeriod" startAt="20"/>
+            </a:pPr>
+            <a:r>
+              <a:rPr lang="en-US" sz="1800" b="0" dirty="0" err="1">
+                <a:effectLst/>
+                <a:latin typeface="Aptos Mono" panose="020B0009020202020204" pitchFamily="49" charset="0"/>
+              </a:rPr>
+              <a:t>func</a:t>
+            </a:r>
+            <a:r>
+              <a:rPr lang="en-US" sz="1800" b="0" dirty="0">
+                <a:effectLst/>
+                <a:latin typeface="Aptos Mono" panose="020B0009020202020204" pitchFamily="49" charset="0"/>
+              </a:rPr>
+              <a:t> worker(id int, tasks </a:t>
+            </a:r>
+            <a:r>
+              <a:rPr lang="en-US" sz="1800" b="0" dirty="0" err="1">
+                <a:effectLst/>
+                <a:latin typeface="Aptos Mono" panose="020B0009020202020204" pitchFamily="49" charset="0"/>
+              </a:rPr>
+              <a:t>chan</a:t>
+            </a:r>
+            <a:r>
+              <a:rPr lang="en-US" sz="1800" b="0" dirty="0">
+                <a:effectLst/>
+                <a:latin typeface="Aptos Mono" panose="020B0009020202020204" pitchFamily="49" charset="0"/>
+              </a:rPr>
+              <a:t> int, </a:t>
+            </a:r>
+            <a:r>
+              <a:rPr lang="en-US" sz="1800" b="0" dirty="0" err="1">
+                <a:effectLst/>
+                <a:latin typeface="Aptos Mono" panose="020B0009020202020204" pitchFamily="49" charset="0"/>
+              </a:rPr>
+              <a:t>wg</a:t>
+            </a:r>
+            <a:r>
+              <a:rPr lang="en-US" sz="1800" b="0" dirty="0">
+                <a:effectLst/>
+                <a:latin typeface="Aptos Mono" panose="020B0009020202020204" pitchFamily="49" charset="0"/>
+              </a:rPr>
+              <a:t> *</a:t>
+            </a:r>
+            <a:r>
+              <a:rPr lang="en-US" sz="1800" b="0" dirty="0" err="1">
+                <a:effectLst/>
+                <a:latin typeface="Aptos Mono" panose="020B0009020202020204" pitchFamily="49" charset="0"/>
+              </a:rPr>
+              <a:t>sync.WaitGroup</a:t>
+            </a:r>
+            <a:r>
+              <a:rPr lang="en-US" sz="1800" b="0" dirty="0">
+                <a:effectLst/>
+                <a:latin typeface="Aptos Mono" panose="020B0009020202020204" pitchFamily="49" charset="0"/>
+              </a:rPr>
+              <a:t>) {</a:t>
+            </a:r>
+          </a:p>
+          <a:p>
+            <a:pPr marL="342900" indent="-342900">
+              <a:lnSpc>
+                <a:spcPct val="100000"/>
+              </a:lnSpc>
+              <a:buFont typeface="+mj-lt"/>
+              <a:buAutoNum type="arabicPeriod" startAt="20"/>
+            </a:pPr>
+            <a:r>
+              <a:rPr lang="en-US" sz="1800" b="0" dirty="0">
+                <a:effectLst/>
+                <a:latin typeface="Aptos Mono" panose="020B0009020202020204" pitchFamily="49" charset="0"/>
+              </a:rPr>
+              <a:t>    defer </a:t>
+            </a:r>
+            <a:r>
+              <a:rPr lang="en-US" sz="1800" b="0" dirty="0" err="1">
+                <a:effectLst/>
+                <a:latin typeface="Aptos Mono" panose="020B0009020202020204" pitchFamily="49" charset="0"/>
+              </a:rPr>
+              <a:t>wg.Done</a:t>
+            </a:r>
+            <a:r>
+              <a:rPr lang="en-US" sz="1800" b="0" dirty="0">
+                <a:effectLst/>
+                <a:latin typeface="Aptos Mono" panose="020B0009020202020204" pitchFamily="49" charset="0"/>
+              </a:rPr>
+              <a:t>()</a:t>
+            </a:r>
+          </a:p>
+          <a:p>
+            <a:pPr marL="342900" indent="-342900">
+              <a:lnSpc>
+                <a:spcPct val="100000"/>
+              </a:lnSpc>
+              <a:buFont typeface="+mj-lt"/>
+              <a:buAutoNum type="arabicPeriod" startAt="20"/>
+            </a:pPr>
+            <a:r>
+              <a:rPr lang="en-US" sz="1800" b="0" dirty="0">
+                <a:effectLst/>
+                <a:latin typeface="Aptos Mono" panose="020B0009020202020204" pitchFamily="49" charset="0"/>
+              </a:rPr>
+              <a:t>    for task := range tasks {</a:t>
+            </a:r>
+          </a:p>
+          <a:p>
+            <a:pPr marL="342900" indent="-342900">
+              <a:lnSpc>
+                <a:spcPct val="100000"/>
+              </a:lnSpc>
+              <a:buFont typeface="+mj-lt"/>
+              <a:buAutoNum type="arabicPeriod" startAt="20"/>
+            </a:pPr>
+            <a:r>
+              <a:rPr lang="en-US" sz="1800" b="0" dirty="0">
+                <a:effectLst/>
+                <a:latin typeface="Aptos Mono" panose="020B0009020202020204" pitchFamily="49" charset="0"/>
+              </a:rPr>
+              <a:t>        </a:t>
+            </a:r>
+            <a:r>
+              <a:rPr lang="en-US" sz="1800" b="0" dirty="0" err="1">
+                <a:effectLst/>
+                <a:latin typeface="Aptos Mono" panose="020B0009020202020204" pitchFamily="49" charset="0"/>
+              </a:rPr>
+              <a:t>fmt.Printf</a:t>
+            </a:r>
+            <a:r>
+              <a:rPr lang="en-US" sz="1800" b="0" dirty="0">
+                <a:effectLst/>
+                <a:latin typeface="Aptos Mono" panose="020B0009020202020204" pitchFamily="49" charset="0"/>
+              </a:rPr>
+              <a:t>("Worker %d processing task %d\n", id, task)</a:t>
+            </a:r>
+          </a:p>
+          <a:p>
+            <a:pPr marL="342900" indent="-342900">
+              <a:lnSpc>
+                <a:spcPct val="100000"/>
+              </a:lnSpc>
+              <a:buFont typeface="+mj-lt"/>
+              <a:buAutoNum type="arabicPeriod" startAt="20"/>
+            </a:pPr>
+            <a:r>
+              <a:rPr lang="en-US" sz="1800" b="0" dirty="0">
+                <a:effectLst/>
+                <a:latin typeface="Aptos Mono" panose="020B0009020202020204" pitchFamily="49" charset="0"/>
+              </a:rPr>
+              <a:t>        </a:t>
+            </a:r>
+            <a:r>
+              <a:rPr lang="en-US" sz="1800" b="0" dirty="0" err="1">
+                <a:effectLst/>
+                <a:latin typeface="Aptos Mono" panose="020B0009020202020204" pitchFamily="49" charset="0"/>
+              </a:rPr>
+              <a:t>time.Sleep</a:t>
+            </a:r>
+            <a:r>
+              <a:rPr lang="en-US" sz="1800" b="0" dirty="0">
+                <a:effectLst/>
+                <a:latin typeface="Aptos Mono" panose="020B0009020202020204" pitchFamily="49" charset="0"/>
+              </a:rPr>
+              <a:t>(</a:t>
+            </a:r>
+            <a:r>
+              <a:rPr lang="en-US" sz="1800" b="0" dirty="0" err="1">
+                <a:effectLst/>
+                <a:latin typeface="Aptos Mono" panose="020B0009020202020204" pitchFamily="49" charset="0"/>
+              </a:rPr>
+              <a:t>time.Second</a:t>
+            </a:r>
+            <a:r>
+              <a:rPr lang="en-US" sz="1800" b="0" dirty="0">
+                <a:effectLst/>
+                <a:latin typeface="Aptos Mono" panose="020B0009020202020204" pitchFamily="49" charset="0"/>
+              </a:rPr>
+              <a:t>) // Simulate task processing time</a:t>
+            </a:r>
+          </a:p>
+          <a:p>
+            <a:pPr marL="342900" indent="-342900">
+              <a:lnSpc>
+                <a:spcPct val="100000"/>
+              </a:lnSpc>
+              <a:buFont typeface="+mj-lt"/>
+              <a:buAutoNum type="arabicPeriod" startAt="20"/>
+            </a:pPr>
+            <a:r>
+              <a:rPr lang="en-US" sz="1800" b="0" dirty="0">
+                <a:effectLst/>
+                <a:latin typeface="Aptos Mono" panose="020B0009020202020204" pitchFamily="49" charset="0"/>
+              </a:rPr>
+              <a:t>    }</a:t>
+            </a:r>
+          </a:p>
+          <a:p>
+            <a:pPr marL="342900" indent="-342900">
+              <a:lnSpc>
+                <a:spcPct val="100000"/>
+              </a:lnSpc>
+              <a:buFont typeface="+mj-lt"/>
+              <a:buAutoNum type="arabicPeriod" startAt="20"/>
+            </a:pPr>
+            <a:r>
+              <a:rPr lang="en-US" sz="1800" b="0" dirty="0">
+                <a:effectLst/>
+                <a:latin typeface="Aptos Mono" panose="020B0009020202020204" pitchFamily="49" charset="0"/>
+              </a:rPr>
+              <a:t>}</a:t>
+            </a:r>
+          </a:p>
+        </p:txBody>
+      </p:sp>
+    </p:spTree>
+    <p:extLst>
+      <p:ext uri="{BB962C8B-B14F-4D97-AF65-F5344CB8AC3E}">
+        <p14:creationId xmlns:p14="http://schemas.microsoft.com/office/powerpoint/2010/main" val="197441843"/>
+      </p:ext>
+    </p:extLst>
+  </p:cSld>
+  <p:clrMapOvr>
+    <a:masterClrMapping/>
+  </p:clrMapOvr>
+</p:sld>
+</file>
+
+<file path=ppt/slides/slide21.xml><?xml version="1.0" encoding="utf-8"?>
+<p:sld xmlns:a="http://schemas.openxmlformats.org/drawingml/2006/main" xmlns:r="http://schemas.openxmlformats.org/officeDocument/2006/relationships" xmlns:p="http://schemas.openxmlformats.org/presentationml/2006/main">
+  <p:cSld>
+    <p:spTree>
+      <p:nvGrpSpPr>
+        <p:cNvPr id="1" name=""/>
+        <p:cNvGrpSpPr/>
+        <p:nvPr/>
+      </p:nvGrpSpPr>
+      <p:grpSpPr>
+        <a:xfrm>
+          <a:off x="0" y="0"/>
+          <a:ext cx="0" cy="0"/>
+          <a:chOff x="0" y="0"/>
+          <a:chExt cx="0" cy="0"/>
+        </a:xfrm>
+      </p:grpSpPr>
+      <p:pic>
+        <p:nvPicPr>
+          <p:cNvPr id="5" name="Picture 4">
+            <a:extLst>
+              <a:ext uri="{FF2B5EF4-FFF2-40B4-BE49-F238E27FC236}">
+                <a16:creationId xmlns:a16="http://schemas.microsoft.com/office/drawing/2014/main" id="{C54368D0-44F4-B03B-B4AB-83444AFAF961}"/>
+              </a:ext>
+            </a:extLst>
+          </p:cNvPr>
+          <p:cNvPicPr>
+            <a:picLocks noChangeAspect="1"/>
+          </p:cNvPicPr>
+          <p:nvPr/>
+        </p:nvPicPr>
+        <p:blipFill>
+          <a:blip r:embed="rId2"/>
+          <a:stretch>
+            <a:fillRect/>
+          </a:stretch>
+        </p:blipFill>
+        <p:spPr>
+          <a:xfrm>
+            <a:off x="4388972" y="1882006"/>
+            <a:ext cx="3414056" cy="3093988"/>
+          </a:xfrm>
+          <a:prstGeom prst="rect">
+            <a:avLst/>
+          </a:prstGeom>
+          <a:ln>
+            <a:solidFill>
+              <a:schemeClr val="tx1"/>
+            </a:solidFill>
+          </a:ln>
+        </p:spPr>
+      </p:pic>
+    </p:spTree>
+    <p:extLst>
+      <p:ext uri="{BB962C8B-B14F-4D97-AF65-F5344CB8AC3E}">
+        <p14:creationId xmlns:p14="http://schemas.microsoft.com/office/powerpoint/2010/main" val="4103425045"/>
+      </p:ext>
+    </p:extLst>
+  </p:cSld>
+  <p:clrMapOvr>
+    <a:masterClrMapping/>
+  </p:clrMapOvr>
+</p:sld>
+</file>
+
+<file path=ppt/slides/slide22.xml><?xml version="1.0" encoding="utf-8"?>
+<p:sld xmlns:a="http://schemas.openxmlformats.org/drawingml/2006/main" xmlns:r="http://schemas.openxmlformats.org/officeDocument/2006/relationships" xmlns:p="http://schemas.openxmlformats.org/presentationml/2006/main">
+  <p:cSld>
+    <p:spTree>
+      <p:nvGrpSpPr>
+        <p:cNvPr id="1" name=""/>
+        <p:cNvGrpSpPr/>
+        <p:nvPr/>
+      </p:nvGrpSpPr>
+      <p:grpSpPr>
+        <a:xfrm>
+          <a:off x="0" y="0"/>
+          <a:ext cx="0" cy="0"/>
+          <a:chOff x="0" y="0"/>
+          <a:chExt cx="0" cy="0"/>
+        </a:xfrm>
+      </p:grpSpPr>
+      <p:sp>
+        <p:nvSpPr>
+          <p:cNvPr id="2" name="Title 1">
+            <a:extLst>
+              <a:ext uri="{FF2B5EF4-FFF2-40B4-BE49-F238E27FC236}">
+                <a16:creationId xmlns:a16="http://schemas.microsoft.com/office/drawing/2014/main" id="{F42C7D79-7854-FD48-2214-0290C6E33863}"/>
+              </a:ext>
+            </a:extLst>
+          </p:cNvPr>
+          <p:cNvSpPr>
+            <a:spLocks noGrp="1"/>
+          </p:cNvSpPr>
+          <p:nvPr>
+            <p:ph type="title"/>
+          </p:nvPr>
+        </p:nvSpPr>
+        <p:spPr/>
+        <p:txBody>
+          <a:bodyPr/>
+          <a:lstStyle/>
+          <a:p>
+            <a:r>
+              <a:rPr lang="en-US" b="1" dirty="0">
+                <a:latin typeface="Aptos Mono" panose="020B0009020202020204" pitchFamily="49" charset="0"/>
+              </a:rPr>
+              <a:t>Thank You</a:t>
+            </a:r>
+          </a:p>
+        </p:txBody>
+      </p:sp>
+    </p:spTree>
+    <p:extLst>
+      <p:ext uri="{BB962C8B-B14F-4D97-AF65-F5344CB8AC3E}">
+        <p14:creationId xmlns:p14="http://schemas.microsoft.com/office/powerpoint/2010/main" val="4285215335"/>
       </p:ext>
     </p:extLst>
   </p:cSld>
@@ -5744,17 +7777,8 @@
               <a:rPr lang="en-US" sz="2000" dirty="0">
                 <a:latin typeface="Aptos Mono" panose="020B0009020202020204" pitchFamily="49" charset="0"/>
               </a:rPr>
-              <a:t>Basics of </a:t>
-            </a:r>
-            <a:r>
-              <a:rPr lang="en-US" sz="2000" dirty="0" err="1">
-                <a:latin typeface="Aptos Mono" panose="020B0009020202020204" pitchFamily="49" charset="0"/>
-              </a:rPr>
-              <a:t>golang</a:t>
-            </a:r>
-            <a:endParaRPr lang="en-US" sz="2000" dirty="0">
-              <a:latin typeface="Aptos Mono" panose="020B0009020202020204" pitchFamily="49" charset="0"/>
-            </a:endParaRPr>
+              <a:t>Basics of Golang</a:t>
+            </a:r>
           </a:p>
           <a:p>
             <a:r>
